--- a/Presentation/Cellular Automata Wars.pptx
+++ b/Presentation/Cellular Automata Wars.pptx
@@ -18,23 +18,31 @@
     <p:sldId id="263" r:id="rId13"/>
     <p:sldId id="264" r:id="rId14"/>
     <p:sldId id="265" r:id="rId15"/>
+    <p:sldId id="266" r:id="rId16"/>
+    <p:sldId id="267" r:id="rId17"/>
+    <p:sldId id="268" r:id="rId18"/>
+    <p:sldId id="269" r:id="rId19"/>
+    <p:sldId id="270" r:id="rId20"/>
+    <p:sldId id="271" r:id="rId21"/>
+    <p:sldId id="272" r:id="rId22"/>
+    <p:sldId id="273" r:id="rId23"/>
   </p:sldIdLst>
   <p:sldSz cy="5143500" cx="9144000"/>
   <p:notesSz cx="6858000" cy="9144000"/>
   <p:embeddedFontLst>
     <p:embeddedFont>
       <p:font typeface="Economica"/>
-      <p:regular r:id="rId16"/>
-      <p:bold r:id="rId17"/>
-      <p:italic r:id="rId18"/>
-      <p:boldItalic r:id="rId19"/>
+      <p:regular r:id="rId24"/>
+      <p:bold r:id="rId25"/>
+      <p:italic r:id="rId26"/>
+      <p:boldItalic r:id="rId27"/>
     </p:embeddedFont>
     <p:embeddedFont>
       <p:font typeface="Open Sans"/>
-      <p:regular r:id="rId20"/>
-      <p:bold r:id="rId21"/>
-      <p:italic r:id="rId22"/>
-      <p:boldItalic r:id="rId23"/>
+      <p:regular r:id="rId28"/>
+      <p:bold r:id="rId29"/>
+      <p:italic r:id="rId30"/>
+      <p:boldItalic r:id="rId31"/>
     </p:embeddedFont>
   </p:embeddedFontLst>
   <p:defaultTextStyle>
@@ -782,18 +790,26 @@
           </a:bodyPr>
           <a:lstStyle/>
           <a:p>
-            <a:pPr indent="0" lvl="0" marL="0">
-              <a:spcBef>
-                <a:spcPts val="0"/>
-              </a:spcBef>
-              <a:spcAft>
-                <a:spcPts val="0"/>
-              </a:spcAft>
+            <a:pPr indent="0" lvl="0" marL="0" rtl="0">
+              <a:lnSpc>
+                <a:spcPct val="115000"/>
+              </a:lnSpc>
+              <a:spcBef>
+                <a:spcPts val="0"/>
+              </a:spcBef>
+              <a:spcAft>
+                <a:spcPts val="0"/>
+              </a:spcAft>
+              <a:buClr>
+                <a:schemeClr val="dk1"/>
+              </a:buClr>
+              <a:buSzPts val="1100"/>
+              <a:buFont typeface="Arial"/>
               <a:buNone/>
             </a:pPr>
             <a:r>
               <a:rPr lang="ro"/>
-              <a:t>What is a Cellular Automata?</a:t>
+              <a:t>Cellular Automata Wars is a browser-based game in which players compete using strategy and experience to win against opponents or train in singleplayer mode to attain knowledge and have some sandbox type of fun, meaning everything is possible.</a:t>
             </a:r>
             <a:endParaRPr/>
           </a:p>
@@ -809,162 +825,6 @@
             </a:pPr>
             <a:r>
               <a:t/>
-            </a:r>
-            <a:endParaRPr/>
-          </a:p>
-          <a:p>
-            <a:pPr indent="0" lvl="0" marL="0">
-              <a:spcBef>
-                <a:spcPts val="0"/>
-              </a:spcBef>
-              <a:spcAft>
-                <a:spcPts val="0"/>
-              </a:spcAft>
-              <a:buNone/>
-            </a:pPr>
-            <a:r>
-              <a:rPr lang="ro" sz="1050">
-                <a:solidFill>
-                  <a:srgbClr val="222222"/>
-                </a:solidFill>
-                <a:highlight>
-                  <a:srgbClr val="FFFFFF"/>
-                </a:highlight>
-              </a:rPr>
-              <a:t>A cellular automaton </a:t>
-            </a:r>
-            <a:r>
-              <a:rPr lang="ro" sz="1050">
-                <a:solidFill>
-                  <a:srgbClr val="222222"/>
-                </a:solidFill>
-                <a:highlight>
-                  <a:srgbClr val="FFFFFF"/>
-                </a:highlight>
-              </a:rPr>
-              <a:t>consists of</a:t>
-            </a:r>
-            <a:r>
-              <a:rPr lang="ro" sz="1050">
-                <a:solidFill>
-                  <a:srgbClr val="222222"/>
-                </a:solidFill>
-                <a:highlight>
-                  <a:srgbClr val="FFFFFF"/>
-                </a:highlight>
-              </a:rPr>
-              <a:t> a regular grid of </a:t>
-            </a:r>
-            <a:r>
-              <a:rPr i="1" lang="ro" sz="1050">
-                <a:solidFill>
-                  <a:srgbClr val="222222"/>
-                </a:solidFill>
-                <a:highlight>
-                  <a:srgbClr val="FFFFFF"/>
-                </a:highlight>
-              </a:rPr>
-              <a:t>cells</a:t>
-            </a:r>
-            <a:r>
-              <a:rPr lang="ro" sz="1050">
-                <a:solidFill>
-                  <a:srgbClr val="222222"/>
-                </a:solidFill>
-                <a:highlight>
-                  <a:srgbClr val="FFFFFF"/>
-                </a:highlight>
-              </a:rPr>
-              <a:t>, each in one of a finite number of </a:t>
-            </a:r>
-            <a:r>
-              <a:rPr i="1" lang="ro" sz="1050" u="sng">
-                <a:solidFill>
-                  <a:srgbClr val="0B0080"/>
-                </a:solidFill>
-                <a:highlight>
-                  <a:srgbClr val="FFFFFF"/>
-                </a:highlight>
-                <a:hlinkClick r:id="rId2"/>
-              </a:rPr>
-              <a:t>states</a:t>
-            </a:r>
-            <a:r>
-              <a:rPr lang="ro" sz="1050">
-                <a:solidFill>
-                  <a:srgbClr val="222222"/>
-                </a:solidFill>
-                <a:highlight>
-                  <a:srgbClr val="FFFFFF"/>
-                </a:highlight>
-              </a:rPr>
-              <a:t>, such as </a:t>
-            </a:r>
-            <a:r>
-              <a:rPr i="1" lang="ro" sz="1050">
-                <a:solidFill>
-                  <a:srgbClr val="222222"/>
-                </a:solidFill>
-                <a:highlight>
-                  <a:srgbClr val="FFFFFF"/>
-                </a:highlight>
-              </a:rPr>
-              <a:t>‘alive’ </a:t>
-            </a:r>
-            <a:r>
-              <a:rPr lang="ro" sz="1050">
-                <a:solidFill>
-                  <a:srgbClr val="222222"/>
-                </a:solidFill>
-                <a:highlight>
-                  <a:srgbClr val="FFFFFF"/>
-                </a:highlight>
-              </a:rPr>
-              <a:t>and </a:t>
-            </a:r>
-            <a:r>
-              <a:rPr i="1" lang="ro" sz="1050">
-                <a:solidFill>
-                  <a:srgbClr val="222222"/>
-                </a:solidFill>
-                <a:highlight>
-                  <a:srgbClr val="FFFFFF"/>
-                </a:highlight>
-              </a:rPr>
-              <a:t>‘dead’ </a:t>
-            </a:r>
-            <a:r>
-              <a:rPr lang="ro" sz="1050">
-                <a:solidFill>
-                  <a:srgbClr val="222222"/>
-                </a:solidFill>
-                <a:highlight>
-                  <a:srgbClr val="FFFFFF"/>
-                </a:highlight>
-              </a:rPr>
-              <a:t>in the case of CA Wars. The grid can be in any finite number of dimensions. For my app, the grid is 2-dimensional and so supports only 2-dimensional CAs. For each cell, a set of cells called its </a:t>
-            </a:r>
-            <a:r>
-              <a:rPr i="1" lang="ro" sz="1050">
-                <a:solidFill>
-                  <a:srgbClr val="222222"/>
-                </a:solidFill>
-                <a:highlight>
-                  <a:srgbClr val="FFFFFF"/>
-                </a:highlight>
-              </a:rPr>
-              <a:t>neighborhood</a:t>
-            </a:r>
-            <a:r>
-              <a:rPr lang="ro" sz="1050">
-                <a:solidFill>
-                  <a:srgbClr val="222222"/>
-                </a:solidFill>
-                <a:highlight>
-                  <a:srgbClr val="FFFFFF"/>
-                </a:highlight>
-              </a:rPr>
-              <a:t> is defined relative to the specified cell.</a:t>
             </a:r>
             <a:endParaRPr/>
           </a:p>
@@ -1013,7 +873,7 @@
   <p:cSld>
     <p:spTree>
       <p:nvGrpSpPr>
-        <p:cNvPr id="114" name="Shape 114"/>
+        <p:cNvPr id="113" name="Shape 113"/>
         <p:cNvGrpSpPr/>
         <p:nvPr/>
       </p:nvGrpSpPr>
@@ -1027,7 +887,7 @@
       </p:grpSpPr>
       <p:sp>
         <p:nvSpPr>
-          <p:cNvPr id="115" name="Shape 115"/>
+          <p:cNvPr id="114" name="Shape 114"/>
           <p:cNvSpPr/>
           <p:nvPr>
             <p:ph idx="2" type="sldImg"/>
@@ -1061,7 +921,301 @@
       </p:sp>
       <p:sp>
         <p:nvSpPr>
-          <p:cNvPr id="116" name="Shape 116"/>
+          <p:cNvPr id="115" name="Shape 115"/>
+          <p:cNvSpPr txBox="1"/>
+          <p:nvPr>
+            <p:ph idx="1" type="body"/>
+          </p:nvPr>
+        </p:nvSpPr>
+        <p:spPr>
+          <a:xfrm>
+            <a:off x="685800" y="4343400"/>
+            <a:ext cx="5486400" cy="4114800"/>
+          </a:xfrm>
+          <a:prstGeom prst="rect">
+            <a:avLst/>
+          </a:prstGeom>
+        </p:spPr>
+        <p:txBody>
+          <a:bodyPr anchorCtr="0" anchor="t" bIns="91425" lIns="91425" spcFirstLastPara="1" rIns="91425" wrap="square" tIns="91425">
+            <a:noAutofit/>
+          </a:bodyPr>
+          <a:lstStyle/>
+          <a:p>
+            <a:pPr indent="0" lvl="0" marL="0">
+              <a:spcBef>
+                <a:spcPts val="0"/>
+              </a:spcBef>
+              <a:spcAft>
+                <a:spcPts val="0"/>
+              </a:spcAft>
+              <a:buNone/>
+            </a:pPr>
+            <a:r>
+              <a:t/>
+            </a:r>
+            <a:endParaRPr/>
+          </a:p>
+        </p:txBody>
+      </p:sp>
+    </p:spTree>
+  </p:cSld>
+  <p:clrMapOvr>
+    <a:masterClrMapping/>
+  </p:clrMapOvr>
+</p:notes>
+</file>
+
+<file path=ppt/notesSlides/notesSlide11.xml><?xml version="1.0" encoding="utf-8"?>
+<p:notes xmlns:a="http://schemas.openxmlformats.org/drawingml/2006/main" xmlns:r="http://schemas.openxmlformats.org/officeDocument/2006/relationships" xmlns:mc="http://schemas.openxmlformats.org/markup-compatibility/2006" xmlns:mv="urn:schemas-microsoft-com:mac:vml" xmlns:p="http://schemas.openxmlformats.org/presentationml/2006/main" xmlns:c="http://schemas.openxmlformats.org/drawingml/2006/chart" xmlns:dgm="http://schemas.openxmlformats.org/drawingml/2006/diagram" xmlns:o="urn:schemas-microsoft-com:office:office" xmlns:v="urn:schemas-microsoft-com:vml" xmlns:pvml="urn:schemas-microsoft-com:office:powerpoint" xmlns:com="http://schemas.openxmlformats.org/drawingml/2006/compatibility" xmlns:p14="http://schemas.microsoft.com/office/powerpoint/2010/main" xmlns:p15="http://schemas.microsoft.com/office/powerpoint/2012/main" showMasterPhAnim="0" showMasterSp="0">
+  <p:cSld>
+    <p:spTree>
+      <p:nvGrpSpPr>
+        <p:cNvPr id="120" name="Shape 120"/>
+        <p:cNvGrpSpPr/>
+        <p:nvPr/>
+      </p:nvGrpSpPr>
+      <p:grpSpPr>
+        <a:xfrm>
+          <a:off x="0" y="0"/>
+          <a:ext cx="0" cy="0"/>
+          <a:chOff x="0" y="0"/>
+          <a:chExt cx="0" cy="0"/>
+        </a:xfrm>
+      </p:grpSpPr>
+      <p:sp>
+        <p:nvSpPr>
+          <p:cNvPr id="121" name="Shape 121"/>
+          <p:cNvSpPr/>
+          <p:nvPr>
+            <p:ph idx="2" type="sldImg"/>
+          </p:nvPr>
+        </p:nvSpPr>
+        <p:spPr>
+          <a:xfrm>
+            <a:off x="381300" y="685800"/>
+            <a:ext cx="6096000" cy="3429000"/>
+          </a:xfrm>
+          <a:custGeom>
+            <a:pathLst>
+              <a:path extrusionOk="0" h="120000" w="120000">
+                <a:moveTo>
+                  <a:pt x="0" y="0"/>
+                </a:moveTo>
+                <a:lnTo>
+                  <a:pt x="120000" y="0"/>
+                </a:lnTo>
+                <a:lnTo>
+                  <a:pt x="120000" y="120000"/>
+                </a:lnTo>
+                <a:lnTo>
+                  <a:pt x="0" y="120000"/>
+                </a:lnTo>
+                <a:close/>
+              </a:path>
+            </a:pathLst>
+          </a:custGeom>
+        </p:spPr>
+      </p:sp>
+      <p:sp>
+        <p:nvSpPr>
+          <p:cNvPr id="122" name="Shape 122"/>
+          <p:cNvSpPr txBox="1"/>
+          <p:nvPr>
+            <p:ph idx="1" type="body"/>
+          </p:nvPr>
+        </p:nvSpPr>
+        <p:spPr>
+          <a:xfrm>
+            <a:off x="685800" y="4343400"/>
+            <a:ext cx="5486400" cy="4114800"/>
+          </a:xfrm>
+          <a:prstGeom prst="rect">
+            <a:avLst/>
+          </a:prstGeom>
+        </p:spPr>
+        <p:txBody>
+          <a:bodyPr anchorCtr="0" anchor="t" bIns="91425" lIns="91425" spcFirstLastPara="1" rIns="91425" wrap="square" tIns="91425">
+            <a:noAutofit/>
+          </a:bodyPr>
+          <a:lstStyle/>
+          <a:p>
+            <a:pPr indent="0" lvl="0" marL="0">
+              <a:spcBef>
+                <a:spcPts val="0"/>
+              </a:spcBef>
+              <a:spcAft>
+                <a:spcPts val="0"/>
+              </a:spcAft>
+              <a:buNone/>
+            </a:pPr>
+            <a:r>
+              <a:t/>
+            </a:r>
+            <a:endParaRPr/>
+          </a:p>
+        </p:txBody>
+      </p:sp>
+    </p:spTree>
+  </p:cSld>
+  <p:clrMapOvr>
+    <a:masterClrMapping/>
+  </p:clrMapOvr>
+</p:notes>
+</file>
+
+<file path=ppt/notesSlides/notesSlide12.xml><?xml version="1.0" encoding="utf-8"?>
+<p:notes xmlns:a="http://schemas.openxmlformats.org/drawingml/2006/main" xmlns:r="http://schemas.openxmlformats.org/officeDocument/2006/relationships" xmlns:mc="http://schemas.openxmlformats.org/markup-compatibility/2006" xmlns:mv="urn:schemas-microsoft-com:mac:vml" xmlns:p="http://schemas.openxmlformats.org/presentationml/2006/main" xmlns:c="http://schemas.openxmlformats.org/drawingml/2006/chart" xmlns:dgm="http://schemas.openxmlformats.org/drawingml/2006/diagram" xmlns:o="urn:schemas-microsoft-com:office:office" xmlns:v="urn:schemas-microsoft-com:vml" xmlns:pvml="urn:schemas-microsoft-com:office:powerpoint" xmlns:com="http://schemas.openxmlformats.org/drawingml/2006/compatibility" xmlns:p14="http://schemas.microsoft.com/office/powerpoint/2010/main" xmlns:p15="http://schemas.microsoft.com/office/powerpoint/2012/main" showMasterPhAnim="0" showMasterSp="0">
+  <p:cSld>
+    <p:spTree>
+      <p:nvGrpSpPr>
+        <p:cNvPr id="127" name="Shape 127"/>
+        <p:cNvGrpSpPr/>
+        <p:nvPr/>
+      </p:nvGrpSpPr>
+      <p:grpSpPr>
+        <a:xfrm>
+          <a:off x="0" y="0"/>
+          <a:ext cx="0" cy="0"/>
+          <a:chOff x="0" y="0"/>
+          <a:chExt cx="0" cy="0"/>
+        </a:xfrm>
+      </p:grpSpPr>
+      <p:sp>
+        <p:nvSpPr>
+          <p:cNvPr id="128" name="Shape 128"/>
+          <p:cNvSpPr/>
+          <p:nvPr>
+            <p:ph idx="2" type="sldImg"/>
+          </p:nvPr>
+        </p:nvSpPr>
+        <p:spPr>
+          <a:xfrm>
+            <a:off x="381300" y="685800"/>
+            <a:ext cx="6096000" cy="3429000"/>
+          </a:xfrm>
+          <a:custGeom>
+            <a:pathLst>
+              <a:path extrusionOk="0" h="120000" w="120000">
+                <a:moveTo>
+                  <a:pt x="0" y="0"/>
+                </a:moveTo>
+                <a:lnTo>
+                  <a:pt x="120000" y="0"/>
+                </a:lnTo>
+                <a:lnTo>
+                  <a:pt x="120000" y="120000"/>
+                </a:lnTo>
+                <a:lnTo>
+                  <a:pt x="0" y="120000"/>
+                </a:lnTo>
+                <a:close/>
+              </a:path>
+            </a:pathLst>
+          </a:custGeom>
+        </p:spPr>
+      </p:sp>
+      <p:sp>
+        <p:nvSpPr>
+          <p:cNvPr id="129" name="Shape 129"/>
+          <p:cNvSpPr txBox="1"/>
+          <p:nvPr>
+            <p:ph idx="1" type="body"/>
+          </p:nvPr>
+        </p:nvSpPr>
+        <p:spPr>
+          <a:xfrm>
+            <a:off x="685800" y="4343400"/>
+            <a:ext cx="5486400" cy="4114800"/>
+          </a:xfrm>
+          <a:prstGeom prst="rect">
+            <a:avLst/>
+          </a:prstGeom>
+        </p:spPr>
+        <p:txBody>
+          <a:bodyPr anchorCtr="0" anchor="t" bIns="91425" lIns="91425" spcFirstLastPara="1" rIns="91425" wrap="square" tIns="91425">
+            <a:noAutofit/>
+          </a:bodyPr>
+          <a:lstStyle/>
+          <a:p>
+            <a:pPr indent="0" lvl="0" marL="0">
+              <a:spcBef>
+                <a:spcPts val="0"/>
+              </a:spcBef>
+              <a:spcAft>
+                <a:spcPts val="0"/>
+              </a:spcAft>
+              <a:buNone/>
+            </a:pPr>
+            <a:r>
+              <a:t/>
+            </a:r>
+            <a:endParaRPr/>
+          </a:p>
+        </p:txBody>
+      </p:sp>
+    </p:spTree>
+  </p:cSld>
+  <p:clrMapOvr>
+    <a:masterClrMapping/>
+  </p:clrMapOvr>
+</p:notes>
+</file>
+
+<file path=ppt/notesSlides/notesSlide13.xml><?xml version="1.0" encoding="utf-8"?>
+<p:notes xmlns:a="http://schemas.openxmlformats.org/drawingml/2006/main" xmlns:r="http://schemas.openxmlformats.org/officeDocument/2006/relationships" xmlns:mc="http://schemas.openxmlformats.org/markup-compatibility/2006" xmlns:mv="urn:schemas-microsoft-com:mac:vml" xmlns:p="http://schemas.openxmlformats.org/presentationml/2006/main" xmlns:c="http://schemas.openxmlformats.org/drawingml/2006/chart" xmlns:dgm="http://schemas.openxmlformats.org/drawingml/2006/diagram" xmlns:o="urn:schemas-microsoft-com:office:office" xmlns:v="urn:schemas-microsoft-com:vml" xmlns:pvml="urn:schemas-microsoft-com:office:powerpoint" xmlns:com="http://schemas.openxmlformats.org/drawingml/2006/compatibility" xmlns:p14="http://schemas.microsoft.com/office/powerpoint/2010/main" xmlns:p15="http://schemas.microsoft.com/office/powerpoint/2012/main" showMasterPhAnim="0" showMasterSp="0">
+  <p:cSld>
+    <p:spTree>
+      <p:nvGrpSpPr>
+        <p:cNvPr id="133" name="Shape 133"/>
+        <p:cNvGrpSpPr/>
+        <p:nvPr/>
+      </p:nvGrpSpPr>
+      <p:grpSpPr>
+        <a:xfrm>
+          <a:off x="0" y="0"/>
+          <a:ext cx="0" cy="0"/>
+          <a:chOff x="0" y="0"/>
+          <a:chExt cx="0" cy="0"/>
+        </a:xfrm>
+      </p:grpSpPr>
+      <p:sp>
+        <p:nvSpPr>
+          <p:cNvPr id="134" name="Shape 134"/>
+          <p:cNvSpPr/>
+          <p:nvPr>
+            <p:ph idx="2" type="sldImg"/>
+          </p:nvPr>
+        </p:nvSpPr>
+        <p:spPr>
+          <a:xfrm>
+            <a:off x="381300" y="685800"/>
+            <a:ext cx="6096000" cy="3429000"/>
+          </a:xfrm>
+          <a:custGeom>
+            <a:pathLst>
+              <a:path extrusionOk="0" h="120000" w="120000">
+                <a:moveTo>
+                  <a:pt x="0" y="0"/>
+                </a:moveTo>
+                <a:lnTo>
+                  <a:pt x="120000" y="0"/>
+                </a:lnTo>
+                <a:lnTo>
+                  <a:pt x="120000" y="120000"/>
+                </a:lnTo>
+                <a:lnTo>
+                  <a:pt x="0" y="120000"/>
+                </a:lnTo>
+                <a:close/>
+              </a:path>
+            </a:pathLst>
+          </a:custGeom>
+        </p:spPr>
+      </p:sp>
+      <p:sp>
+        <p:nvSpPr>
+          <p:cNvPr id="135" name="Shape 135"/>
           <p:cNvSpPr txBox="1"/>
           <p:nvPr>
             <p:ph idx="1" type="body"/>
@@ -1101,6 +1255,496 @@
                 </a:highlight>
               </a:rPr>
               <a:t>Coral: This rule produces patterns with a surprisingly slow rate of expansion and an interesting coral-like texture.</a:t>
+            </a:r>
+            <a:endParaRPr/>
+          </a:p>
+        </p:txBody>
+      </p:sp>
+    </p:spTree>
+  </p:cSld>
+  <p:clrMapOvr>
+    <a:masterClrMapping/>
+  </p:clrMapOvr>
+</p:notes>
+</file>
+
+<file path=ppt/notesSlides/notesSlide14.xml><?xml version="1.0" encoding="utf-8"?>
+<p:notes xmlns:a="http://schemas.openxmlformats.org/drawingml/2006/main" xmlns:r="http://schemas.openxmlformats.org/officeDocument/2006/relationships" xmlns:mc="http://schemas.openxmlformats.org/markup-compatibility/2006" xmlns:mv="urn:schemas-microsoft-com:mac:vml" xmlns:p="http://schemas.openxmlformats.org/presentationml/2006/main" xmlns:c="http://schemas.openxmlformats.org/drawingml/2006/chart" xmlns:dgm="http://schemas.openxmlformats.org/drawingml/2006/diagram" xmlns:o="urn:schemas-microsoft-com:office:office" xmlns:v="urn:schemas-microsoft-com:vml" xmlns:pvml="urn:schemas-microsoft-com:office:powerpoint" xmlns:com="http://schemas.openxmlformats.org/drawingml/2006/compatibility" xmlns:p14="http://schemas.microsoft.com/office/powerpoint/2010/main" xmlns:p15="http://schemas.microsoft.com/office/powerpoint/2012/main" showMasterPhAnim="0" showMasterSp="0">
+  <p:cSld>
+    <p:spTree>
+      <p:nvGrpSpPr>
+        <p:cNvPr id="141" name="Shape 141"/>
+        <p:cNvGrpSpPr/>
+        <p:nvPr/>
+      </p:nvGrpSpPr>
+      <p:grpSpPr>
+        <a:xfrm>
+          <a:off x="0" y="0"/>
+          <a:ext cx="0" cy="0"/>
+          <a:chOff x="0" y="0"/>
+          <a:chExt cx="0" cy="0"/>
+        </a:xfrm>
+      </p:grpSpPr>
+      <p:sp>
+        <p:nvSpPr>
+          <p:cNvPr id="142" name="Shape 142"/>
+          <p:cNvSpPr/>
+          <p:nvPr>
+            <p:ph idx="2" type="sldImg"/>
+          </p:nvPr>
+        </p:nvSpPr>
+        <p:spPr>
+          <a:xfrm>
+            <a:off x="381300" y="685800"/>
+            <a:ext cx="6096000" cy="3429000"/>
+          </a:xfrm>
+          <a:custGeom>
+            <a:pathLst>
+              <a:path extrusionOk="0" h="120000" w="120000">
+                <a:moveTo>
+                  <a:pt x="0" y="0"/>
+                </a:moveTo>
+                <a:lnTo>
+                  <a:pt x="120000" y="0"/>
+                </a:lnTo>
+                <a:lnTo>
+                  <a:pt x="120000" y="120000"/>
+                </a:lnTo>
+                <a:lnTo>
+                  <a:pt x="0" y="120000"/>
+                </a:lnTo>
+                <a:close/>
+              </a:path>
+            </a:pathLst>
+          </a:custGeom>
+        </p:spPr>
+      </p:sp>
+      <p:sp>
+        <p:nvSpPr>
+          <p:cNvPr id="143" name="Shape 143"/>
+          <p:cNvSpPr txBox="1"/>
+          <p:nvPr>
+            <p:ph idx="1" type="body"/>
+          </p:nvPr>
+        </p:nvSpPr>
+        <p:spPr>
+          <a:xfrm>
+            <a:off x="685800" y="4343400"/>
+            <a:ext cx="5486400" cy="4114800"/>
+          </a:xfrm>
+          <a:prstGeom prst="rect">
+            <a:avLst/>
+          </a:prstGeom>
+        </p:spPr>
+        <p:txBody>
+          <a:bodyPr anchorCtr="0" anchor="t" bIns="91425" lIns="91425" spcFirstLastPara="1" rIns="91425" wrap="square" tIns="91425">
+            <a:noAutofit/>
+          </a:bodyPr>
+          <a:lstStyle/>
+          <a:p>
+            <a:pPr indent="0" lvl="0" marL="0">
+              <a:spcBef>
+                <a:spcPts val="0"/>
+              </a:spcBef>
+              <a:spcAft>
+                <a:spcPts val="0"/>
+              </a:spcAft>
+              <a:buNone/>
+            </a:pPr>
+            <a:r>
+              <a:t/>
+            </a:r>
+            <a:endParaRPr/>
+          </a:p>
+        </p:txBody>
+      </p:sp>
+    </p:spTree>
+  </p:cSld>
+  <p:clrMapOvr>
+    <a:masterClrMapping/>
+  </p:clrMapOvr>
+</p:notes>
+</file>
+
+<file path=ppt/notesSlides/notesSlide15.xml><?xml version="1.0" encoding="utf-8"?>
+<p:notes xmlns:a="http://schemas.openxmlformats.org/drawingml/2006/main" xmlns:r="http://schemas.openxmlformats.org/officeDocument/2006/relationships" xmlns:mc="http://schemas.openxmlformats.org/markup-compatibility/2006" xmlns:mv="urn:schemas-microsoft-com:mac:vml" xmlns:p="http://schemas.openxmlformats.org/presentationml/2006/main" xmlns:c="http://schemas.openxmlformats.org/drawingml/2006/chart" xmlns:dgm="http://schemas.openxmlformats.org/drawingml/2006/diagram" xmlns:o="urn:schemas-microsoft-com:office:office" xmlns:v="urn:schemas-microsoft-com:vml" xmlns:pvml="urn:schemas-microsoft-com:office:powerpoint" xmlns:com="http://schemas.openxmlformats.org/drawingml/2006/compatibility" xmlns:p14="http://schemas.microsoft.com/office/powerpoint/2010/main" xmlns:p15="http://schemas.microsoft.com/office/powerpoint/2012/main" showMasterPhAnim="0" showMasterSp="0">
+  <p:cSld>
+    <p:spTree>
+      <p:nvGrpSpPr>
+        <p:cNvPr id="147" name="Shape 147"/>
+        <p:cNvGrpSpPr/>
+        <p:nvPr/>
+      </p:nvGrpSpPr>
+      <p:grpSpPr>
+        <a:xfrm>
+          <a:off x="0" y="0"/>
+          <a:ext cx="0" cy="0"/>
+          <a:chOff x="0" y="0"/>
+          <a:chExt cx="0" cy="0"/>
+        </a:xfrm>
+      </p:grpSpPr>
+      <p:sp>
+        <p:nvSpPr>
+          <p:cNvPr id="148" name="Shape 148"/>
+          <p:cNvSpPr/>
+          <p:nvPr>
+            <p:ph idx="2" type="sldImg"/>
+          </p:nvPr>
+        </p:nvSpPr>
+        <p:spPr>
+          <a:xfrm>
+            <a:off x="381300" y="685800"/>
+            <a:ext cx="6096000" cy="3429000"/>
+          </a:xfrm>
+          <a:custGeom>
+            <a:pathLst>
+              <a:path extrusionOk="0" h="120000" w="120000">
+                <a:moveTo>
+                  <a:pt x="0" y="0"/>
+                </a:moveTo>
+                <a:lnTo>
+                  <a:pt x="120000" y="0"/>
+                </a:lnTo>
+                <a:lnTo>
+                  <a:pt x="120000" y="120000"/>
+                </a:lnTo>
+                <a:lnTo>
+                  <a:pt x="0" y="120000"/>
+                </a:lnTo>
+                <a:close/>
+              </a:path>
+            </a:pathLst>
+          </a:custGeom>
+        </p:spPr>
+      </p:sp>
+      <p:sp>
+        <p:nvSpPr>
+          <p:cNvPr id="149" name="Shape 149"/>
+          <p:cNvSpPr txBox="1"/>
+          <p:nvPr>
+            <p:ph idx="1" type="body"/>
+          </p:nvPr>
+        </p:nvSpPr>
+        <p:spPr>
+          <a:xfrm>
+            <a:off x="685800" y="4343400"/>
+            <a:ext cx="5486400" cy="4114800"/>
+          </a:xfrm>
+          <a:prstGeom prst="rect">
+            <a:avLst/>
+          </a:prstGeom>
+        </p:spPr>
+        <p:txBody>
+          <a:bodyPr anchorCtr="0" anchor="t" bIns="91425" lIns="91425" spcFirstLastPara="1" rIns="91425" wrap="square" tIns="91425">
+            <a:noAutofit/>
+          </a:bodyPr>
+          <a:lstStyle/>
+          <a:p>
+            <a:pPr indent="0" lvl="0" marL="0">
+              <a:spcBef>
+                <a:spcPts val="0"/>
+              </a:spcBef>
+              <a:spcAft>
+                <a:spcPts val="0"/>
+              </a:spcAft>
+              <a:buNone/>
+            </a:pPr>
+            <a:r>
+              <a:t/>
+            </a:r>
+            <a:endParaRPr/>
+          </a:p>
+        </p:txBody>
+      </p:sp>
+    </p:spTree>
+  </p:cSld>
+  <p:clrMapOvr>
+    <a:masterClrMapping/>
+  </p:clrMapOvr>
+</p:notes>
+</file>
+
+<file path=ppt/notesSlides/notesSlide16.xml><?xml version="1.0" encoding="utf-8"?>
+<p:notes xmlns:a="http://schemas.openxmlformats.org/drawingml/2006/main" xmlns:r="http://schemas.openxmlformats.org/officeDocument/2006/relationships" xmlns:mc="http://schemas.openxmlformats.org/markup-compatibility/2006" xmlns:mv="urn:schemas-microsoft-com:mac:vml" xmlns:p="http://schemas.openxmlformats.org/presentationml/2006/main" xmlns:c="http://schemas.openxmlformats.org/drawingml/2006/chart" xmlns:dgm="http://schemas.openxmlformats.org/drawingml/2006/diagram" xmlns:o="urn:schemas-microsoft-com:office:office" xmlns:v="urn:schemas-microsoft-com:vml" xmlns:pvml="urn:schemas-microsoft-com:office:powerpoint" xmlns:com="http://schemas.openxmlformats.org/drawingml/2006/compatibility" xmlns:p14="http://schemas.microsoft.com/office/powerpoint/2010/main" xmlns:p15="http://schemas.microsoft.com/office/powerpoint/2012/main" showMasterPhAnim="0" showMasterSp="0">
+  <p:cSld>
+    <p:spTree>
+      <p:nvGrpSpPr>
+        <p:cNvPr id="152" name="Shape 152"/>
+        <p:cNvGrpSpPr/>
+        <p:nvPr/>
+      </p:nvGrpSpPr>
+      <p:grpSpPr>
+        <a:xfrm>
+          <a:off x="0" y="0"/>
+          <a:ext cx="0" cy="0"/>
+          <a:chOff x="0" y="0"/>
+          <a:chExt cx="0" cy="0"/>
+        </a:xfrm>
+      </p:grpSpPr>
+      <p:sp>
+        <p:nvSpPr>
+          <p:cNvPr id="153" name="Shape 153"/>
+          <p:cNvSpPr/>
+          <p:nvPr>
+            <p:ph idx="2" type="sldImg"/>
+          </p:nvPr>
+        </p:nvSpPr>
+        <p:spPr>
+          <a:xfrm>
+            <a:off x="381300" y="685800"/>
+            <a:ext cx="6096000" cy="3429000"/>
+          </a:xfrm>
+          <a:custGeom>
+            <a:pathLst>
+              <a:path extrusionOk="0" h="120000" w="120000">
+                <a:moveTo>
+                  <a:pt x="0" y="0"/>
+                </a:moveTo>
+                <a:lnTo>
+                  <a:pt x="120000" y="0"/>
+                </a:lnTo>
+                <a:lnTo>
+                  <a:pt x="120000" y="120000"/>
+                </a:lnTo>
+                <a:lnTo>
+                  <a:pt x="0" y="120000"/>
+                </a:lnTo>
+                <a:close/>
+              </a:path>
+            </a:pathLst>
+          </a:custGeom>
+        </p:spPr>
+      </p:sp>
+      <p:sp>
+        <p:nvSpPr>
+          <p:cNvPr id="154" name="Shape 154"/>
+          <p:cNvSpPr txBox="1"/>
+          <p:nvPr>
+            <p:ph idx="1" type="body"/>
+          </p:nvPr>
+        </p:nvSpPr>
+        <p:spPr>
+          <a:xfrm>
+            <a:off x="685800" y="4343400"/>
+            <a:ext cx="5486400" cy="4114800"/>
+          </a:xfrm>
+          <a:prstGeom prst="rect">
+            <a:avLst/>
+          </a:prstGeom>
+        </p:spPr>
+        <p:txBody>
+          <a:bodyPr anchorCtr="0" anchor="t" bIns="91425" lIns="91425" spcFirstLastPara="1" rIns="91425" wrap="square" tIns="91425">
+            <a:noAutofit/>
+          </a:bodyPr>
+          <a:lstStyle/>
+          <a:p>
+            <a:pPr indent="0" lvl="0" marL="0">
+              <a:spcBef>
+                <a:spcPts val="0"/>
+              </a:spcBef>
+              <a:spcAft>
+                <a:spcPts val="0"/>
+              </a:spcAft>
+              <a:buNone/>
+            </a:pPr>
+            <a:r>
+              <a:t/>
+            </a:r>
+            <a:endParaRPr/>
+          </a:p>
+        </p:txBody>
+      </p:sp>
+    </p:spTree>
+  </p:cSld>
+  <p:clrMapOvr>
+    <a:masterClrMapping/>
+  </p:clrMapOvr>
+</p:notes>
+</file>
+
+<file path=ppt/notesSlides/notesSlide17.xml><?xml version="1.0" encoding="utf-8"?>
+<p:notes xmlns:a="http://schemas.openxmlformats.org/drawingml/2006/main" xmlns:r="http://schemas.openxmlformats.org/officeDocument/2006/relationships" xmlns:mc="http://schemas.openxmlformats.org/markup-compatibility/2006" xmlns:mv="urn:schemas-microsoft-com:mac:vml" xmlns:p="http://schemas.openxmlformats.org/presentationml/2006/main" xmlns:c="http://schemas.openxmlformats.org/drawingml/2006/chart" xmlns:dgm="http://schemas.openxmlformats.org/drawingml/2006/diagram" xmlns:o="urn:schemas-microsoft-com:office:office" xmlns:v="urn:schemas-microsoft-com:vml" xmlns:pvml="urn:schemas-microsoft-com:office:powerpoint" xmlns:com="http://schemas.openxmlformats.org/drawingml/2006/compatibility" xmlns:p14="http://schemas.microsoft.com/office/powerpoint/2010/main" xmlns:p15="http://schemas.microsoft.com/office/powerpoint/2012/main" showMasterPhAnim="0" showMasterSp="0">
+  <p:cSld>
+    <p:spTree>
+      <p:nvGrpSpPr>
+        <p:cNvPr id="157" name="Shape 157"/>
+        <p:cNvGrpSpPr/>
+        <p:nvPr/>
+      </p:nvGrpSpPr>
+      <p:grpSpPr>
+        <a:xfrm>
+          <a:off x="0" y="0"/>
+          <a:ext cx="0" cy="0"/>
+          <a:chOff x="0" y="0"/>
+          <a:chExt cx="0" cy="0"/>
+        </a:xfrm>
+      </p:grpSpPr>
+      <p:sp>
+        <p:nvSpPr>
+          <p:cNvPr id="158" name="Shape 158"/>
+          <p:cNvSpPr/>
+          <p:nvPr>
+            <p:ph idx="2" type="sldImg"/>
+          </p:nvPr>
+        </p:nvSpPr>
+        <p:spPr>
+          <a:xfrm>
+            <a:off x="381300" y="685800"/>
+            <a:ext cx="6096000" cy="3429000"/>
+          </a:xfrm>
+          <a:custGeom>
+            <a:pathLst>
+              <a:path extrusionOk="0" h="120000" w="120000">
+                <a:moveTo>
+                  <a:pt x="0" y="0"/>
+                </a:moveTo>
+                <a:lnTo>
+                  <a:pt x="120000" y="0"/>
+                </a:lnTo>
+                <a:lnTo>
+                  <a:pt x="120000" y="120000"/>
+                </a:lnTo>
+                <a:lnTo>
+                  <a:pt x="0" y="120000"/>
+                </a:lnTo>
+                <a:close/>
+              </a:path>
+            </a:pathLst>
+          </a:custGeom>
+        </p:spPr>
+      </p:sp>
+      <p:sp>
+        <p:nvSpPr>
+          <p:cNvPr id="159" name="Shape 159"/>
+          <p:cNvSpPr txBox="1"/>
+          <p:nvPr>
+            <p:ph idx="1" type="body"/>
+          </p:nvPr>
+        </p:nvSpPr>
+        <p:spPr>
+          <a:xfrm>
+            <a:off x="685800" y="4343400"/>
+            <a:ext cx="5486400" cy="4114800"/>
+          </a:xfrm>
+          <a:prstGeom prst="rect">
+            <a:avLst/>
+          </a:prstGeom>
+        </p:spPr>
+        <p:txBody>
+          <a:bodyPr anchorCtr="0" anchor="t" bIns="91425" lIns="91425" spcFirstLastPara="1" rIns="91425" wrap="square" tIns="91425">
+            <a:noAutofit/>
+          </a:bodyPr>
+          <a:lstStyle/>
+          <a:p>
+            <a:pPr indent="0" lvl="0" marL="0">
+              <a:spcBef>
+                <a:spcPts val="0"/>
+              </a:spcBef>
+              <a:spcAft>
+                <a:spcPts val="0"/>
+              </a:spcAft>
+              <a:buNone/>
+            </a:pPr>
+            <a:r>
+              <a:t/>
+            </a:r>
+            <a:endParaRPr/>
+          </a:p>
+        </p:txBody>
+      </p:sp>
+    </p:spTree>
+  </p:cSld>
+  <p:clrMapOvr>
+    <a:masterClrMapping/>
+  </p:clrMapOvr>
+</p:notes>
+</file>
+
+<file path=ppt/notesSlides/notesSlide18.xml><?xml version="1.0" encoding="utf-8"?>
+<p:notes xmlns:a="http://schemas.openxmlformats.org/drawingml/2006/main" xmlns:r="http://schemas.openxmlformats.org/officeDocument/2006/relationships" xmlns:mc="http://schemas.openxmlformats.org/markup-compatibility/2006" xmlns:mv="urn:schemas-microsoft-com:mac:vml" xmlns:p="http://schemas.openxmlformats.org/presentationml/2006/main" xmlns:c="http://schemas.openxmlformats.org/drawingml/2006/chart" xmlns:dgm="http://schemas.openxmlformats.org/drawingml/2006/diagram" xmlns:o="urn:schemas-microsoft-com:office:office" xmlns:v="urn:schemas-microsoft-com:vml" xmlns:pvml="urn:schemas-microsoft-com:office:powerpoint" xmlns:com="http://schemas.openxmlformats.org/drawingml/2006/compatibility" xmlns:p14="http://schemas.microsoft.com/office/powerpoint/2010/main" xmlns:p15="http://schemas.microsoft.com/office/powerpoint/2012/main" showMasterPhAnim="0" showMasterSp="0">
+  <p:cSld>
+    <p:spTree>
+      <p:nvGrpSpPr>
+        <p:cNvPr id="163" name="Shape 163"/>
+        <p:cNvGrpSpPr/>
+        <p:nvPr/>
+      </p:nvGrpSpPr>
+      <p:grpSpPr>
+        <a:xfrm>
+          <a:off x="0" y="0"/>
+          <a:ext cx="0" cy="0"/>
+          <a:chOff x="0" y="0"/>
+          <a:chExt cx="0" cy="0"/>
+        </a:xfrm>
+      </p:grpSpPr>
+      <p:sp>
+        <p:nvSpPr>
+          <p:cNvPr id="164" name="Shape 164"/>
+          <p:cNvSpPr/>
+          <p:nvPr>
+            <p:ph idx="2" type="sldImg"/>
+          </p:nvPr>
+        </p:nvSpPr>
+        <p:spPr>
+          <a:xfrm>
+            <a:off x="381300" y="685800"/>
+            <a:ext cx="6096000" cy="3429000"/>
+          </a:xfrm>
+          <a:custGeom>
+            <a:pathLst>
+              <a:path extrusionOk="0" h="120000" w="120000">
+                <a:moveTo>
+                  <a:pt x="0" y="0"/>
+                </a:moveTo>
+                <a:lnTo>
+                  <a:pt x="120000" y="0"/>
+                </a:lnTo>
+                <a:lnTo>
+                  <a:pt x="120000" y="120000"/>
+                </a:lnTo>
+                <a:lnTo>
+                  <a:pt x="0" y="120000"/>
+                </a:lnTo>
+                <a:close/>
+              </a:path>
+            </a:pathLst>
+          </a:custGeom>
+        </p:spPr>
+      </p:sp>
+      <p:sp>
+        <p:nvSpPr>
+          <p:cNvPr id="165" name="Shape 165"/>
+          <p:cNvSpPr txBox="1"/>
+          <p:nvPr>
+            <p:ph idx="1" type="body"/>
+          </p:nvPr>
+        </p:nvSpPr>
+        <p:spPr>
+          <a:xfrm>
+            <a:off x="685800" y="4343400"/>
+            <a:ext cx="5486400" cy="4114800"/>
+          </a:xfrm>
+          <a:prstGeom prst="rect">
+            <a:avLst/>
+          </a:prstGeom>
+        </p:spPr>
+        <p:txBody>
+          <a:bodyPr anchorCtr="0" anchor="t" bIns="91425" lIns="91425" spcFirstLastPara="1" rIns="91425" wrap="square" tIns="91425">
+            <a:noAutofit/>
+          </a:bodyPr>
+          <a:lstStyle/>
+          <a:p>
+            <a:pPr indent="0" lvl="0" marL="0">
+              <a:spcBef>
+                <a:spcPts val="0"/>
+              </a:spcBef>
+              <a:spcAft>
+                <a:spcPts val="0"/>
+              </a:spcAft>
+              <a:buNone/>
+            </a:pPr>
+            <a:r>
+              <a:t/>
             </a:r>
             <a:endParaRPr/>
           </a:p>
@@ -1217,7 +1861,7 @@
   <p:cSld>
     <p:spTree>
       <p:nvGrpSpPr>
-        <p:cNvPr id="69" name="Shape 69"/>
+        <p:cNvPr id="70" name="Shape 70"/>
         <p:cNvGrpSpPr/>
         <p:nvPr/>
       </p:nvGrpSpPr>
@@ -1231,7 +1875,7 @@
       </p:grpSpPr>
       <p:sp>
         <p:nvSpPr>
-          <p:cNvPr id="70" name="Shape 70"/>
+          <p:cNvPr id="71" name="Shape 71"/>
           <p:cNvSpPr/>
           <p:nvPr>
             <p:ph idx="2" type="sldImg"/>
@@ -1265,7 +1909,7 @@
       </p:sp>
       <p:sp>
         <p:nvSpPr>
-          <p:cNvPr id="71" name="Shape 71"/>
+          <p:cNvPr id="72" name="Shape 72"/>
           <p:cNvSpPr txBox="1"/>
           <p:nvPr>
             <p:ph idx="1" type="body"/>
@@ -1315,7 +1959,7 @@
   <p:cSld>
     <p:spTree>
       <p:nvGrpSpPr>
-        <p:cNvPr id="74" name="Shape 74"/>
+        <p:cNvPr id="76" name="Shape 76"/>
         <p:cNvGrpSpPr/>
         <p:nvPr/>
       </p:nvGrpSpPr>
@@ -1329,7 +1973,7 @@
       </p:grpSpPr>
       <p:sp>
         <p:nvSpPr>
-          <p:cNvPr id="75" name="Shape 75"/>
+          <p:cNvPr id="77" name="Shape 77"/>
           <p:cNvSpPr/>
           <p:nvPr>
             <p:ph idx="2" type="sldImg"/>
@@ -1363,7 +2007,7 @@
       </p:sp>
       <p:sp>
         <p:nvSpPr>
-          <p:cNvPr id="76" name="Shape 76"/>
+          <p:cNvPr id="78" name="Shape 78"/>
           <p:cNvSpPr txBox="1"/>
           <p:nvPr>
             <p:ph idx="1" type="body"/>
@@ -1413,7 +2057,7 @@
   <p:cSld>
     <p:spTree>
       <p:nvGrpSpPr>
-        <p:cNvPr id="82" name="Shape 82"/>
+        <p:cNvPr id="83" name="Shape 83"/>
         <p:cNvGrpSpPr/>
         <p:nvPr/>
       </p:nvGrpSpPr>
@@ -1427,7 +2071,7 @@
       </p:grpSpPr>
       <p:sp>
         <p:nvSpPr>
-          <p:cNvPr id="83" name="Shape 83"/>
+          <p:cNvPr id="84" name="Shape 84"/>
           <p:cNvSpPr/>
           <p:nvPr>
             <p:ph idx="2" type="sldImg"/>
@@ -1461,7 +2105,7 @@
       </p:sp>
       <p:sp>
         <p:nvSpPr>
-          <p:cNvPr id="84" name="Shape 84"/>
+          <p:cNvPr id="85" name="Shape 85"/>
           <p:cNvSpPr txBox="1"/>
           <p:nvPr>
             <p:ph idx="1" type="body"/>
@@ -1481,6 +2125,98 @@
             <a:noAutofit/>
           </a:bodyPr>
           <a:lstStyle/>
+          <a:p>
+            <a:pPr indent="0" lvl="0" marL="0" rtl="0">
+              <a:lnSpc>
+                <a:spcPct val="115000"/>
+              </a:lnSpc>
+              <a:spcBef>
+                <a:spcPts val="0"/>
+              </a:spcBef>
+              <a:spcAft>
+                <a:spcPts val="0"/>
+              </a:spcAft>
+              <a:buClr>
+                <a:schemeClr val="dk1"/>
+              </a:buClr>
+              <a:buSzPts val="1100"/>
+              <a:buFont typeface="Arial"/>
+              <a:buNone/>
+            </a:pPr>
+            <a:r>
+              <a:rPr lang="ro">
+                <a:solidFill>
+                  <a:schemeClr val="dk1"/>
+                </a:solidFill>
+              </a:rPr>
+              <a:t>What is a Cellular Automata?</a:t>
+            </a:r>
+            <a:endParaRPr>
+              <a:solidFill>
+                <a:schemeClr val="dk1"/>
+              </a:solidFill>
+            </a:endParaRPr>
+          </a:p>
+          <a:p>
+            <a:pPr indent="0" lvl="0" marL="0" rtl="0">
+              <a:lnSpc>
+                <a:spcPct val="115000"/>
+              </a:lnSpc>
+              <a:spcBef>
+                <a:spcPts val="0"/>
+              </a:spcBef>
+              <a:spcAft>
+                <a:spcPts val="0"/>
+              </a:spcAft>
+              <a:buClr>
+                <a:schemeClr val="dk1"/>
+              </a:buClr>
+              <a:buSzPts val="1100"/>
+              <a:buFont typeface="Arial"/>
+              <a:buNone/>
+            </a:pPr>
+            <a:r>
+              <a:rPr lang="ro">
+                <a:solidFill>
+                  <a:srgbClr val="222222"/>
+                </a:solidFill>
+                <a:highlight>
+                  <a:srgbClr val="FFFFFF"/>
+                </a:highlight>
+              </a:rPr>
+              <a:t>A cellular automaton consists of a regular grid of </a:t>
+            </a:r>
+            <a:r>
+              <a:rPr i="1" lang="ro">
+                <a:solidFill>
+                  <a:srgbClr val="222222"/>
+                </a:solidFill>
+                <a:highlight>
+                  <a:srgbClr val="FFFFFF"/>
+                </a:highlight>
+              </a:rPr>
+              <a:t>cells</a:t>
+            </a:r>
+            <a:r>
+              <a:rPr lang="ro">
+                <a:solidFill>
+                  <a:srgbClr val="222222"/>
+                </a:solidFill>
+                <a:highlight>
+                  <a:srgbClr val="FFFFFF"/>
+                </a:highlight>
+              </a:rPr>
+              <a:t>. The grid can be in any finite number of dimensions. For CA Wars however, the grid is 2-dimensional and so supports only 2-dimensional CAs.</a:t>
+            </a:r>
+            <a:endParaRPr>
+              <a:solidFill>
+                <a:srgbClr val="222222"/>
+              </a:solidFill>
+              <a:highlight>
+                <a:srgbClr val="FFFFFF"/>
+              </a:highlight>
+            </a:endParaRPr>
+          </a:p>
           <a:p>
             <a:pPr indent="0" lvl="0" marL="0">
               <a:spcBef>
@@ -1511,7 +2247,7 @@
   <p:cSld>
     <p:spTree>
       <p:nvGrpSpPr>
-        <p:cNvPr id="88" name="Shape 88"/>
+        <p:cNvPr id="89" name="Shape 89"/>
         <p:cNvGrpSpPr/>
         <p:nvPr/>
       </p:nvGrpSpPr>
@@ -1525,7 +2261,7 @@
       </p:grpSpPr>
       <p:sp>
         <p:nvSpPr>
-          <p:cNvPr id="89" name="Shape 89"/>
+          <p:cNvPr id="90" name="Shape 90"/>
           <p:cNvSpPr/>
           <p:nvPr>
             <p:ph idx="2" type="sldImg"/>
@@ -1559,7 +2295,7 @@
       </p:sp>
       <p:sp>
         <p:nvSpPr>
-          <p:cNvPr id="90" name="Shape 90"/>
+          <p:cNvPr id="91" name="Shape 91"/>
           <p:cNvSpPr txBox="1"/>
           <p:nvPr>
             <p:ph idx="1" type="body"/>
@@ -1707,7 +2443,7 @@
   <p:cSld>
     <p:spTree>
       <p:nvGrpSpPr>
-        <p:cNvPr id="101" name="Shape 101"/>
+        <p:cNvPr id="99" name="Shape 99"/>
         <p:cNvGrpSpPr/>
         <p:nvPr/>
       </p:nvGrpSpPr>
@@ -1721,7 +2457,7 @@
       </p:grpSpPr>
       <p:sp>
         <p:nvSpPr>
-          <p:cNvPr id="102" name="Shape 102"/>
+          <p:cNvPr id="100" name="Shape 100"/>
           <p:cNvSpPr/>
           <p:nvPr>
             <p:ph idx="2" type="sldImg"/>
@@ -1755,7 +2491,7 @@
       </p:sp>
       <p:sp>
         <p:nvSpPr>
-          <p:cNvPr id="103" name="Shape 103"/>
+          <p:cNvPr id="101" name="Shape 101"/>
           <p:cNvSpPr txBox="1"/>
           <p:nvPr>
             <p:ph idx="1" type="body"/>
@@ -1805,7 +2541,7 @@
   <p:cSld>
     <p:spTree>
       <p:nvGrpSpPr>
-        <p:cNvPr id="108" name="Shape 108"/>
+        <p:cNvPr id="107" name="Shape 107"/>
         <p:cNvGrpSpPr/>
         <p:nvPr/>
       </p:nvGrpSpPr>
@@ -1819,7 +2555,7 @@
       </p:grpSpPr>
       <p:sp>
         <p:nvSpPr>
-          <p:cNvPr id="109" name="Shape 109"/>
+          <p:cNvPr id="108" name="Shape 108"/>
           <p:cNvSpPr/>
           <p:nvPr>
             <p:ph idx="2" type="sldImg"/>
@@ -1853,7 +2589,7 @@
       </p:sp>
       <p:sp>
         <p:nvSpPr>
-          <p:cNvPr id="110" name="Shape 110"/>
+          <p:cNvPr id="109" name="Shape 109"/>
           <p:cNvSpPr txBox="1"/>
           <p:nvPr>
             <p:ph idx="1" type="body"/>
@@ -7409,7 +8145,7 @@
   <p:cSld>
     <p:spTree>
       <p:nvGrpSpPr>
-        <p:cNvPr id="117" name="Shape 117"/>
+        <p:cNvPr id="116" name="Shape 116"/>
         <p:cNvGrpSpPr/>
         <p:nvPr/>
       </p:nvGrpSpPr>
@@ -7423,7 +8159,7 @@
       </p:grpSpPr>
       <p:pic>
         <p:nvPicPr>
-          <p:cNvPr id="118" name="Shape 118"/>
+          <p:cNvPr id="117" name="Shape 117"/>
           <p:cNvPicPr preferRelativeResize="0"/>
           <p:nvPr/>
         </p:nvPicPr>
@@ -7437,8 +8173,8 @@
         </p:blipFill>
         <p:spPr>
           <a:xfrm>
-            <a:off x="1142200" y="1990625"/>
-            <a:ext cx="2700000" cy="2700000"/>
+            <a:off x="5181775" y="1276350"/>
+            <a:ext cx="2590800" cy="2590800"/>
           </a:xfrm>
           <a:prstGeom prst="rect">
             <a:avLst/>
@@ -7451,7 +8187,7 @@
       </p:pic>
       <p:pic>
         <p:nvPicPr>
-          <p:cNvPr id="119" name="Shape 119"/>
+          <p:cNvPr id="118" name="Shape 118"/>
           <p:cNvPicPr preferRelativeResize="0"/>
           <p:nvPr/>
         </p:nvPicPr>
@@ -7465,8 +8201,8 @@
         </p:blipFill>
         <p:spPr>
           <a:xfrm>
-            <a:off x="5364250" y="1990625"/>
-            <a:ext cx="2700000" cy="2700000"/>
+            <a:off x="1448450" y="1276350"/>
+            <a:ext cx="2590800" cy="2590800"/>
           </a:xfrm>
           <a:prstGeom prst="rect">
             <a:avLst/>
@@ -7479,14 +8215,14 @@
       </p:pic>
       <p:sp>
         <p:nvSpPr>
-          <p:cNvPr id="120" name="Shape 120"/>
+          <p:cNvPr id="119" name="Shape 119"/>
           <p:cNvSpPr txBox="1"/>
           <p:nvPr/>
         </p:nvSpPr>
         <p:spPr>
-          <a:xfrm>
-            <a:off x="1142200" y="724675"/>
-            <a:ext cx="2700000" cy="883800"/>
+          <a:xfrm flipH="1">
+            <a:off x="2648250" y="342350"/>
+            <a:ext cx="3847500" cy="668400"/>
           </a:xfrm>
           <a:prstGeom prst="rect">
             <a:avLst/>
@@ -7518,7 +8254,84 @@
                 <a:cs typeface="Economica"/>
                 <a:sym typeface="Economica"/>
               </a:rPr>
-              <a:t>GOF </a:t>
+              <a:t>Basic conflict</a:t>
+            </a:r>
+            <a:endParaRPr sz="2400">
+              <a:latin typeface="Economica"/>
+              <a:ea typeface="Economica"/>
+              <a:cs typeface="Economica"/>
+              <a:sym typeface="Economica"/>
+            </a:endParaRPr>
+          </a:p>
+        </p:txBody>
+      </p:sp>
+    </p:spTree>
+  </p:cSld>
+  <p:clrMapOvr>
+    <a:masterClrMapping/>
+  </p:clrMapOvr>
+</p:sld>
+</file>
+
+<file path=ppt/slides/slide11.xml><?xml version="1.0" encoding="utf-8"?>
+<p:sld xmlns:a="http://schemas.openxmlformats.org/drawingml/2006/main" xmlns:r="http://schemas.openxmlformats.org/officeDocument/2006/relationships" xmlns:mc="http://schemas.openxmlformats.org/markup-compatibility/2006" xmlns:mv="urn:schemas-microsoft-com:mac:vml" xmlns:p="http://schemas.openxmlformats.org/presentationml/2006/main" xmlns:c="http://schemas.openxmlformats.org/drawingml/2006/chart" xmlns:dgm="http://schemas.openxmlformats.org/drawingml/2006/diagram" xmlns:o="urn:schemas-microsoft-com:office:office" xmlns:v="urn:schemas-microsoft-com:vml" xmlns:pvml="urn:schemas-microsoft-com:office:powerpoint" xmlns:com="http://schemas.openxmlformats.org/drawingml/2006/compatibility" xmlns:p14="http://schemas.microsoft.com/office/powerpoint/2010/main" xmlns:p15="http://schemas.microsoft.com/office/powerpoint/2012/main">
+  <p:cSld>
+    <p:spTree>
+      <p:nvGrpSpPr>
+        <p:cNvPr id="123" name="Shape 123"/>
+        <p:cNvGrpSpPr/>
+        <p:nvPr/>
+      </p:nvGrpSpPr>
+      <p:grpSpPr>
+        <a:xfrm>
+          <a:off x="0" y="0"/>
+          <a:ext cx="0" cy="0"/>
+          <a:chOff x="0" y="0"/>
+          <a:chExt cx="0" cy="0"/>
+        </a:xfrm>
+      </p:grpSpPr>
+      <p:sp>
+        <p:nvSpPr>
+          <p:cNvPr id="124" name="Shape 124"/>
+          <p:cNvSpPr txBox="1"/>
+          <p:nvPr/>
+        </p:nvSpPr>
+        <p:spPr>
+          <a:xfrm>
+            <a:off x="546150" y="1927350"/>
+            <a:ext cx="3121800" cy="1288800"/>
+          </a:xfrm>
+          <a:prstGeom prst="rect">
+            <a:avLst/>
+          </a:prstGeom>
+          <a:noFill/>
+          <a:ln>
+            <a:noFill/>
+          </a:ln>
+        </p:spPr>
+        <p:txBody>
+          <a:bodyPr anchorCtr="0" anchor="t" bIns="91425" lIns="91425" spcFirstLastPara="1" rIns="91425" wrap="square" tIns="91425">
+            <a:noAutofit/>
+          </a:bodyPr>
+          <a:lstStyle/>
+          <a:p>
+            <a:pPr indent="0" lvl="0" marL="0" algn="ctr">
+              <a:spcBef>
+                <a:spcPts val="0"/>
+              </a:spcBef>
+              <a:spcAft>
+                <a:spcPts val="0"/>
+              </a:spcAft>
+              <a:buNone/>
+            </a:pPr>
+            <a:r>
+              <a:rPr lang="ro" sz="2400">
+                <a:latin typeface="Economica"/>
+                <a:ea typeface="Economica"/>
+                <a:cs typeface="Economica"/>
+                <a:sym typeface="Economica"/>
+              </a:rPr>
+              <a:t>Game of Life</a:t>
             </a:r>
             <a:endParaRPr sz="2400">
               <a:latin typeface="Economica"/>
@@ -7538,13 +8351,33 @@
               <a:buNone/>
             </a:pPr>
             <a:r>
+              <a:t/>
+            </a:r>
+            <a:endParaRPr sz="2400">
+              <a:latin typeface="Economica"/>
+              <a:ea typeface="Economica"/>
+              <a:cs typeface="Economica"/>
+              <a:sym typeface="Economica"/>
+            </a:endParaRPr>
+          </a:p>
+          <a:p>
+            <a:pPr indent="0" lvl="0" marL="0" algn="ctr">
+              <a:spcBef>
+                <a:spcPts val="0"/>
+              </a:spcBef>
+              <a:spcAft>
+                <a:spcPts val="0"/>
+              </a:spcAft>
+              <a:buNone/>
+            </a:pPr>
+            <a:r>
               <a:rPr lang="ro" sz="2400">
                 <a:latin typeface="Economica"/>
                 <a:ea typeface="Economica"/>
                 <a:cs typeface="Economica"/>
                 <a:sym typeface="Economica"/>
               </a:rPr>
-              <a:t>(“Chaotic” Pattern)</a:t>
+              <a:t>23/3</a:t>
             </a:r>
             <a:endParaRPr sz="2400">
               <a:latin typeface="Economica"/>
@@ -7557,7 +8390,435 @@
       </p:sp>
       <p:sp>
         <p:nvSpPr>
-          <p:cNvPr id="121" name="Shape 121"/>
+          <p:cNvPr id="125" name="Shape 125"/>
+          <p:cNvSpPr txBox="1"/>
+          <p:nvPr/>
+        </p:nvSpPr>
+        <p:spPr>
+          <a:xfrm>
+            <a:off x="5222550" y="1927350"/>
+            <a:ext cx="3121800" cy="1288800"/>
+          </a:xfrm>
+          <a:prstGeom prst="rect">
+            <a:avLst/>
+          </a:prstGeom>
+          <a:noFill/>
+          <a:ln>
+            <a:noFill/>
+          </a:ln>
+        </p:spPr>
+        <p:txBody>
+          <a:bodyPr anchorCtr="0" anchor="t" bIns="91425" lIns="91425" spcFirstLastPara="1" rIns="91425" wrap="square" tIns="91425">
+            <a:noAutofit/>
+          </a:bodyPr>
+          <a:lstStyle/>
+          <a:p>
+            <a:pPr indent="0" lvl="0" marL="0" rtl="0" algn="ctr">
+              <a:spcBef>
+                <a:spcPts val="0"/>
+              </a:spcBef>
+              <a:spcAft>
+                <a:spcPts val="0"/>
+              </a:spcAft>
+              <a:buNone/>
+            </a:pPr>
+            <a:r>
+              <a:rPr lang="ro" sz="2400">
+                <a:latin typeface="Economica"/>
+                <a:ea typeface="Economica"/>
+                <a:cs typeface="Economica"/>
+                <a:sym typeface="Economica"/>
+              </a:rPr>
+              <a:t>Coral</a:t>
+            </a:r>
+            <a:endParaRPr sz="2400">
+              <a:latin typeface="Economica"/>
+              <a:ea typeface="Economica"/>
+              <a:cs typeface="Economica"/>
+              <a:sym typeface="Economica"/>
+            </a:endParaRPr>
+          </a:p>
+          <a:p>
+            <a:pPr indent="0" lvl="0" marL="0" rtl="0" algn="ctr">
+              <a:spcBef>
+                <a:spcPts val="0"/>
+              </a:spcBef>
+              <a:spcAft>
+                <a:spcPts val="0"/>
+              </a:spcAft>
+              <a:buNone/>
+            </a:pPr>
+            <a:r>
+              <a:t/>
+            </a:r>
+            <a:endParaRPr sz="2400">
+              <a:latin typeface="Economica"/>
+              <a:ea typeface="Economica"/>
+              <a:cs typeface="Economica"/>
+              <a:sym typeface="Economica"/>
+            </a:endParaRPr>
+          </a:p>
+          <a:p>
+            <a:pPr indent="0" lvl="0" marL="0" rtl="0" algn="ctr">
+              <a:spcBef>
+                <a:spcPts val="0"/>
+              </a:spcBef>
+              <a:spcAft>
+                <a:spcPts val="0"/>
+              </a:spcAft>
+              <a:buNone/>
+            </a:pPr>
+            <a:r>
+              <a:rPr lang="ro" sz="2400">
+                <a:latin typeface="Economica"/>
+                <a:ea typeface="Economica"/>
+                <a:cs typeface="Economica"/>
+                <a:sym typeface="Economica"/>
+              </a:rPr>
+              <a:t>45678/3</a:t>
+            </a:r>
+            <a:endParaRPr sz="2400">
+              <a:latin typeface="Economica"/>
+              <a:ea typeface="Economica"/>
+              <a:cs typeface="Economica"/>
+              <a:sym typeface="Economica"/>
+            </a:endParaRPr>
+          </a:p>
+        </p:txBody>
+      </p:sp>
+      <p:sp>
+        <p:nvSpPr>
+          <p:cNvPr id="126" name="Shape 126"/>
+          <p:cNvSpPr txBox="1"/>
+          <p:nvPr/>
+        </p:nvSpPr>
+        <p:spPr>
+          <a:xfrm>
+            <a:off x="2224350" y="520875"/>
+            <a:ext cx="4695300" cy="1019700"/>
+          </a:xfrm>
+          <a:prstGeom prst="rect">
+            <a:avLst/>
+          </a:prstGeom>
+          <a:noFill/>
+          <a:ln>
+            <a:noFill/>
+          </a:ln>
+        </p:spPr>
+        <p:txBody>
+          <a:bodyPr anchorCtr="0" anchor="t" bIns="91425" lIns="91425" spcFirstLastPara="1" rIns="91425" wrap="square" tIns="91425">
+            <a:noAutofit/>
+          </a:bodyPr>
+          <a:lstStyle/>
+          <a:p>
+            <a:pPr indent="0" lvl="0" marL="0" algn="ctr">
+              <a:spcBef>
+                <a:spcPts val="0"/>
+              </a:spcBef>
+              <a:spcAft>
+                <a:spcPts val="0"/>
+              </a:spcAft>
+              <a:buNone/>
+            </a:pPr>
+            <a:r>
+              <a:rPr lang="ro" sz="3000">
+                <a:latin typeface="Economica"/>
+                <a:ea typeface="Economica"/>
+                <a:cs typeface="Economica"/>
+                <a:sym typeface="Economica"/>
+              </a:rPr>
+              <a:t>The S/B Notation</a:t>
+            </a:r>
+            <a:endParaRPr sz="3000">
+              <a:latin typeface="Economica"/>
+              <a:ea typeface="Economica"/>
+              <a:cs typeface="Economica"/>
+              <a:sym typeface="Economica"/>
+            </a:endParaRPr>
+          </a:p>
+          <a:p>
+            <a:pPr indent="0" lvl="0" marL="0" algn="ctr">
+              <a:spcBef>
+                <a:spcPts val="0"/>
+              </a:spcBef>
+              <a:spcAft>
+                <a:spcPts val="0"/>
+              </a:spcAft>
+              <a:buNone/>
+            </a:pPr>
+            <a:r>
+              <a:rPr lang="ro" sz="3000">
+                <a:latin typeface="Economica"/>
+                <a:ea typeface="Economica"/>
+                <a:cs typeface="Economica"/>
+                <a:sym typeface="Economica"/>
+              </a:rPr>
+              <a:t>(“Survival”/”Birth”)</a:t>
+            </a:r>
+            <a:endParaRPr sz="3000">
+              <a:latin typeface="Economica"/>
+              <a:ea typeface="Economica"/>
+              <a:cs typeface="Economica"/>
+              <a:sym typeface="Economica"/>
+            </a:endParaRPr>
+          </a:p>
+        </p:txBody>
+      </p:sp>
+    </p:spTree>
+  </p:cSld>
+  <p:clrMapOvr>
+    <a:masterClrMapping/>
+  </p:clrMapOvr>
+</p:sld>
+</file>
+
+<file path=ppt/slides/slide12.xml><?xml version="1.0" encoding="utf-8"?>
+<p:sld xmlns:a="http://schemas.openxmlformats.org/drawingml/2006/main" xmlns:r="http://schemas.openxmlformats.org/officeDocument/2006/relationships" xmlns:mc="http://schemas.openxmlformats.org/markup-compatibility/2006" xmlns:mv="urn:schemas-microsoft-com:mac:vml" xmlns:p="http://schemas.openxmlformats.org/presentationml/2006/main" xmlns:c="http://schemas.openxmlformats.org/drawingml/2006/chart" xmlns:dgm="http://schemas.openxmlformats.org/drawingml/2006/diagram" xmlns:o="urn:schemas-microsoft-com:office:office" xmlns:v="urn:schemas-microsoft-com:vml" xmlns:pvml="urn:schemas-microsoft-com:office:powerpoint" xmlns:com="http://schemas.openxmlformats.org/drawingml/2006/compatibility" xmlns:p14="http://schemas.microsoft.com/office/powerpoint/2010/main" xmlns:p15="http://schemas.microsoft.com/office/powerpoint/2012/main">
+  <p:cSld>
+    <p:spTree>
+      <p:nvGrpSpPr>
+        <p:cNvPr id="130" name="Shape 130"/>
+        <p:cNvGrpSpPr/>
+        <p:nvPr/>
+      </p:nvGrpSpPr>
+      <p:grpSpPr>
+        <a:xfrm>
+          <a:off x="0" y="0"/>
+          <a:ext cx="0" cy="0"/>
+          <a:chOff x="0" y="0"/>
+          <a:chExt cx="0" cy="0"/>
+        </a:xfrm>
+      </p:grpSpPr>
+      <p:sp>
+        <p:nvSpPr>
+          <p:cNvPr id="131" name="Shape 131"/>
+          <p:cNvSpPr txBox="1"/>
+          <p:nvPr>
+            <p:ph type="title"/>
+          </p:nvPr>
+        </p:nvSpPr>
+        <p:spPr>
+          <a:xfrm>
+            <a:off x="311700" y="315925"/>
+            <a:ext cx="8520600" cy="771000"/>
+          </a:xfrm>
+          <a:prstGeom prst="rect">
+            <a:avLst/>
+          </a:prstGeom>
+        </p:spPr>
+        <p:txBody>
+          <a:bodyPr anchorCtr="0" anchor="b" bIns="91425" lIns="91425" spcFirstLastPara="1" rIns="91425" wrap="square" tIns="91425">
+            <a:noAutofit/>
+          </a:bodyPr>
+          <a:lstStyle/>
+          <a:p>
+            <a:pPr indent="0" lvl="0" marL="0" algn="ctr">
+              <a:spcBef>
+                <a:spcPts val="0"/>
+              </a:spcBef>
+              <a:spcAft>
+                <a:spcPts val="0"/>
+              </a:spcAft>
+              <a:buNone/>
+            </a:pPr>
+            <a:r>
+              <a:rPr lang="ro" sz="3000"/>
+              <a:t>Let’s see how both rules evolve given the same initial configuration</a:t>
+            </a:r>
+            <a:endParaRPr sz="3000"/>
+          </a:p>
+        </p:txBody>
+      </p:sp>
+      <p:pic>
+        <p:nvPicPr>
+          <p:cNvPr id="132" name="Shape 132"/>
+          <p:cNvPicPr preferRelativeResize="0"/>
+          <p:nvPr/>
+        </p:nvPicPr>
+        <p:blipFill>
+          <a:blip r:embed="rId3">
+            <a:alphaModFix/>
+          </a:blip>
+          <a:stretch>
+            <a:fillRect/>
+          </a:stretch>
+        </p:blipFill>
+        <p:spPr>
+          <a:xfrm>
+            <a:off x="3133725" y="1530000"/>
+            <a:ext cx="2876550" cy="2876550"/>
+          </a:xfrm>
+          <a:prstGeom prst="rect">
+            <a:avLst/>
+          </a:prstGeom>
+          <a:noFill/>
+          <a:ln>
+            <a:noFill/>
+          </a:ln>
+        </p:spPr>
+      </p:pic>
+    </p:spTree>
+  </p:cSld>
+  <p:clrMapOvr>
+    <a:masterClrMapping/>
+  </p:clrMapOvr>
+</p:sld>
+</file>
+
+<file path=ppt/slides/slide13.xml><?xml version="1.0" encoding="utf-8"?>
+<p:sld xmlns:a="http://schemas.openxmlformats.org/drawingml/2006/main" xmlns:r="http://schemas.openxmlformats.org/officeDocument/2006/relationships" xmlns:mc="http://schemas.openxmlformats.org/markup-compatibility/2006" xmlns:mv="urn:schemas-microsoft-com:mac:vml" xmlns:p="http://schemas.openxmlformats.org/presentationml/2006/main" xmlns:c="http://schemas.openxmlformats.org/drawingml/2006/chart" xmlns:dgm="http://schemas.openxmlformats.org/drawingml/2006/diagram" xmlns:o="urn:schemas-microsoft-com:office:office" xmlns:v="urn:schemas-microsoft-com:vml" xmlns:pvml="urn:schemas-microsoft-com:office:powerpoint" xmlns:com="http://schemas.openxmlformats.org/drawingml/2006/compatibility" xmlns:p14="http://schemas.microsoft.com/office/powerpoint/2010/main" xmlns:p15="http://schemas.microsoft.com/office/powerpoint/2012/main">
+  <p:cSld>
+    <p:spTree>
+      <p:nvGrpSpPr>
+        <p:cNvPr id="136" name="Shape 136"/>
+        <p:cNvGrpSpPr/>
+        <p:nvPr/>
+      </p:nvGrpSpPr>
+      <p:grpSpPr>
+        <a:xfrm>
+          <a:off x="0" y="0"/>
+          <a:ext cx="0" cy="0"/>
+          <a:chOff x="0" y="0"/>
+          <a:chExt cx="0" cy="0"/>
+        </a:xfrm>
+      </p:grpSpPr>
+      <p:pic>
+        <p:nvPicPr>
+          <p:cNvPr id="137" name="Shape 137"/>
+          <p:cNvPicPr preferRelativeResize="0"/>
+          <p:nvPr/>
+        </p:nvPicPr>
+        <p:blipFill>
+          <a:blip r:embed="rId3">
+            <a:alphaModFix/>
+          </a:blip>
+          <a:stretch>
+            <a:fillRect/>
+          </a:stretch>
+        </p:blipFill>
+        <p:spPr>
+          <a:xfrm>
+            <a:off x="1142200" y="1990625"/>
+            <a:ext cx="2700000" cy="2700000"/>
+          </a:xfrm>
+          <a:prstGeom prst="rect">
+            <a:avLst/>
+          </a:prstGeom>
+          <a:noFill/>
+          <a:ln>
+            <a:noFill/>
+          </a:ln>
+        </p:spPr>
+      </p:pic>
+      <p:pic>
+        <p:nvPicPr>
+          <p:cNvPr id="138" name="Shape 138"/>
+          <p:cNvPicPr preferRelativeResize="0"/>
+          <p:nvPr/>
+        </p:nvPicPr>
+        <p:blipFill>
+          <a:blip r:embed="rId4">
+            <a:alphaModFix/>
+          </a:blip>
+          <a:stretch>
+            <a:fillRect/>
+          </a:stretch>
+        </p:blipFill>
+        <p:spPr>
+          <a:xfrm>
+            <a:off x="5364250" y="1990625"/>
+            <a:ext cx="2700000" cy="2700000"/>
+          </a:xfrm>
+          <a:prstGeom prst="rect">
+            <a:avLst/>
+          </a:prstGeom>
+          <a:noFill/>
+          <a:ln>
+            <a:noFill/>
+          </a:ln>
+        </p:spPr>
+      </p:pic>
+      <p:sp>
+        <p:nvSpPr>
+          <p:cNvPr id="139" name="Shape 139"/>
+          <p:cNvSpPr txBox="1"/>
+          <p:nvPr/>
+        </p:nvSpPr>
+        <p:spPr>
+          <a:xfrm>
+            <a:off x="1142200" y="724675"/>
+            <a:ext cx="2700000" cy="883800"/>
+          </a:xfrm>
+          <a:prstGeom prst="rect">
+            <a:avLst/>
+          </a:prstGeom>
+          <a:noFill/>
+          <a:ln>
+            <a:noFill/>
+          </a:ln>
+        </p:spPr>
+        <p:txBody>
+          <a:bodyPr anchorCtr="0" anchor="t" bIns="91425" lIns="91425" spcFirstLastPara="1" rIns="91425" wrap="square" tIns="91425">
+            <a:noAutofit/>
+          </a:bodyPr>
+          <a:lstStyle/>
+          <a:p>
+            <a:pPr indent="0" lvl="0" marL="0" algn="ctr">
+              <a:spcBef>
+                <a:spcPts val="0"/>
+              </a:spcBef>
+              <a:spcAft>
+                <a:spcPts val="0"/>
+              </a:spcAft>
+              <a:buNone/>
+            </a:pPr>
+            <a:r>
+              <a:rPr lang="ro" sz="2400">
+                <a:latin typeface="Economica"/>
+                <a:ea typeface="Economica"/>
+                <a:cs typeface="Economica"/>
+                <a:sym typeface="Economica"/>
+              </a:rPr>
+              <a:t>Game of Life</a:t>
+            </a:r>
+            <a:endParaRPr sz="2400">
+              <a:latin typeface="Economica"/>
+              <a:ea typeface="Economica"/>
+              <a:cs typeface="Economica"/>
+              <a:sym typeface="Economica"/>
+            </a:endParaRPr>
+          </a:p>
+          <a:p>
+            <a:pPr indent="0" lvl="0" marL="0" algn="ctr">
+              <a:spcBef>
+                <a:spcPts val="0"/>
+              </a:spcBef>
+              <a:spcAft>
+                <a:spcPts val="0"/>
+              </a:spcAft>
+              <a:buNone/>
+            </a:pPr>
+            <a:r>
+              <a:rPr lang="ro" sz="2400">
+                <a:latin typeface="Economica"/>
+                <a:ea typeface="Economica"/>
+                <a:cs typeface="Economica"/>
+                <a:sym typeface="Economica"/>
+              </a:rPr>
+              <a:t>(“Chaotic” Rule)</a:t>
+            </a:r>
+            <a:endParaRPr sz="2400">
+              <a:latin typeface="Economica"/>
+              <a:ea typeface="Economica"/>
+              <a:cs typeface="Economica"/>
+              <a:sym typeface="Economica"/>
+            </a:endParaRPr>
+          </a:p>
+        </p:txBody>
+      </p:sp>
+      <p:sp>
+        <p:nvSpPr>
+          <p:cNvPr id="140" name="Shape 140"/>
           <p:cNvSpPr txBox="1"/>
           <p:nvPr/>
         </p:nvSpPr>
@@ -7622,7 +8883,7 @@
                 <a:cs typeface="Economica"/>
                 <a:sym typeface="Economica"/>
               </a:rPr>
-              <a:t>(“Explosive” Pattern)</a:t>
+              <a:t>(“Explosive” Rule)</a:t>
             </a:r>
             <a:endParaRPr sz="2400">
               <a:latin typeface="Economica"/>
@@ -7633,6 +8894,422 @@
           </a:p>
         </p:txBody>
       </p:sp>
+    </p:spTree>
+  </p:cSld>
+  <p:clrMapOvr>
+    <a:masterClrMapping/>
+  </p:clrMapOvr>
+</p:sld>
+</file>
+
+<file path=ppt/slides/slide14.xml><?xml version="1.0" encoding="utf-8"?>
+<p:sld xmlns:a="http://schemas.openxmlformats.org/drawingml/2006/main" xmlns:r="http://schemas.openxmlformats.org/officeDocument/2006/relationships" xmlns:mc="http://schemas.openxmlformats.org/markup-compatibility/2006" xmlns:mv="urn:schemas-microsoft-com:mac:vml" xmlns:p="http://schemas.openxmlformats.org/presentationml/2006/main" xmlns:c="http://schemas.openxmlformats.org/drawingml/2006/chart" xmlns:dgm="http://schemas.openxmlformats.org/drawingml/2006/diagram" xmlns:o="urn:schemas-microsoft-com:office:office" xmlns:v="urn:schemas-microsoft-com:vml" xmlns:pvml="urn:schemas-microsoft-com:office:powerpoint" xmlns:com="http://schemas.openxmlformats.org/drawingml/2006/compatibility" xmlns:p14="http://schemas.microsoft.com/office/powerpoint/2010/main" xmlns:p15="http://schemas.microsoft.com/office/powerpoint/2012/main">
+  <p:cSld>
+    <p:spTree>
+      <p:nvGrpSpPr>
+        <p:cNvPr id="144" name="Shape 144"/>
+        <p:cNvGrpSpPr/>
+        <p:nvPr/>
+      </p:nvGrpSpPr>
+      <p:grpSpPr>
+        <a:xfrm>
+          <a:off x="0" y="0"/>
+          <a:ext cx="0" cy="0"/>
+          <a:chOff x="0" y="0"/>
+          <a:chExt cx="0" cy="0"/>
+        </a:xfrm>
+      </p:grpSpPr>
+      <p:sp>
+        <p:nvSpPr>
+          <p:cNvPr id="145" name="Shape 145"/>
+          <p:cNvSpPr txBox="1"/>
+          <p:nvPr>
+            <p:ph type="title"/>
+          </p:nvPr>
+        </p:nvSpPr>
+        <p:spPr>
+          <a:xfrm>
+            <a:off x="311700" y="315925"/>
+            <a:ext cx="8520600" cy="831300"/>
+          </a:xfrm>
+          <a:prstGeom prst="rect">
+            <a:avLst/>
+          </a:prstGeom>
+        </p:spPr>
+        <p:txBody>
+          <a:bodyPr anchorCtr="0" anchor="b" bIns="91425" lIns="91425" spcFirstLastPara="1" rIns="91425" wrap="square" tIns="91425">
+            <a:noAutofit/>
+          </a:bodyPr>
+          <a:lstStyle/>
+          <a:p>
+            <a:pPr indent="0" lvl="0" marL="0" algn="ctr">
+              <a:spcBef>
+                <a:spcPts val="0"/>
+              </a:spcBef>
+              <a:spcAft>
+                <a:spcPts val="0"/>
+              </a:spcAft>
+              <a:buNone/>
+            </a:pPr>
+            <a:r>
+              <a:rPr lang="ro"/>
+              <a:t>Demo</a:t>
+            </a:r>
+            <a:endParaRPr/>
+          </a:p>
+        </p:txBody>
+      </p:sp>
+      <p:pic>
+        <p:nvPicPr>
+          <p:cNvPr id="146" name="Shape 146"/>
+          <p:cNvPicPr preferRelativeResize="0"/>
+          <p:nvPr/>
+        </p:nvPicPr>
+        <p:blipFill>
+          <a:blip r:embed="rId3">
+            <a:alphaModFix/>
+          </a:blip>
+          <a:stretch>
+            <a:fillRect/>
+          </a:stretch>
+        </p:blipFill>
+        <p:spPr>
+          <a:xfrm>
+            <a:off x="1047405" y="1052425"/>
+            <a:ext cx="7049190" cy="3691475"/>
+          </a:xfrm>
+          <a:prstGeom prst="rect">
+            <a:avLst/>
+          </a:prstGeom>
+          <a:noFill/>
+          <a:ln>
+            <a:noFill/>
+          </a:ln>
+          <a:effectLst>
+            <a:outerShdw blurRad="57150" rotWithShape="0" algn="bl" dir="5400000" dist="19050">
+              <a:srgbClr val="000000">
+                <a:alpha val="22000"/>
+              </a:srgbClr>
+            </a:outerShdw>
+          </a:effectLst>
+        </p:spPr>
+      </p:pic>
+    </p:spTree>
+  </p:cSld>
+  <p:clrMapOvr>
+    <a:masterClrMapping/>
+  </p:clrMapOvr>
+</p:sld>
+</file>
+
+<file path=ppt/slides/slide15.xml><?xml version="1.0" encoding="utf-8"?>
+<p:sld xmlns:a="http://schemas.openxmlformats.org/drawingml/2006/main" xmlns:r="http://schemas.openxmlformats.org/officeDocument/2006/relationships" xmlns:mc="http://schemas.openxmlformats.org/markup-compatibility/2006" xmlns:mv="urn:schemas-microsoft-com:mac:vml" xmlns:p="http://schemas.openxmlformats.org/presentationml/2006/main" xmlns:c="http://schemas.openxmlformats.org/drawingml/2006/chart" xmlns:dgm="http://schemas.openxmlformats.org/drawingml/2006/diagram" xmlns:o="urn:schemas-microsoft-com:office:office" xmlns:v="urn:schemas-microsoft-com:vml" xmlns:pvml="urn:schemas-microsoft-com:office:powerpoint" xmlns:com="http://schemas.openxmlformats.org/drawingml/2006/compatibility" xmlns:p14="http://schemas.microsoft.com/office/powerpoint/2010/main" xmlns:p15="http://schemas.microsoft.com/office/powerpoint/2012/main">
+  <p:cSld>
+    <p:spTree>
+      <p:nvGrpSpPr>
+        <p:cNvPr id="150" name="Shape 150"/>
+        <p:cNvGrpSpPr/>
+        <p:nvPr/>
+      </p:nvGrpSpPr>
+      <p:grpSpPr>
+        <a:xfrm>
+          <a:off x="0" y="0"/>
+          <a:ext cx="0" cy="0"/>
+          <a:chOff x="0" y="0"/>
+          <a:chExt cx="0" cy="0"/>
+        </a:xfrm>
+      </p:grpSpPr>
+      <p:sp>
+        <p:nvSpPr>
+          <p:cNvPr id="151" name="Shape 151"/>
+          <p:cNvSpPr txBox="1"/>
+          <p:nvPr>
+            <p:ph type="title"/>
+          </p:nvPr>
+        </p:nvSpPr>
+        <p:spPr>
+          <a:xfrm>
+            <a:off x="773700" y="1806450"/>
+            <a:ext cx="7596600" cy="1530600"/>
+          </a:xfrm>
+          <a:prstGeom prst="rect">
+            <a:avLst/>
+          </a:prstGeom>
+        </p:spPr>
+        <p:txBody>
+          <a:bodyPr anchorCtr="0" anchor="ctr" bIns="91425" lIns="91425" spcFirstLastPara="1" rIns="91425" wrap="square" tIns="91425">
+            <a:noAutofit/>
+          </a:bodyPr>
+          <a:lstStyle/>
+          <a:p>
+            <a:pPr indent="0" lvl="0" marL="0">
+              <a:spcBef>
+                <a:spcPts val="0"/>
+              </a:spcBef>
+              <a:spcAft>
+                <a:spcPts val="0"/>
+              </a:spcAft>
+              <a:buNone/>
+            </a:pPr>
+            <a:r>
+              <a:rPr lang="ro"/>
+              <a:t>Questions and Answers</a:t>
+            </a:r>
+            <a:endParaRPr/>
+          </a:p>
+        </p:txBody>
+      </p:sp>
+    </p:spTree>
+  </p:cSld>
+  <p:clrMapOvr>
+    <a:masterClrMapping/>
+  </p:clrMapOvr>
+</p:sld>
+</file>
+
+<file path=ppt/slides/slide16.xml><?xml version="1.0" encoding="utf-8"?>
+<p:sld xmlns:a="http://schemas.openxmlformats.org/drawingml/2006/main" xmlns:r="http://schemas.openxmlformats.org/officeDocument/2006/relationships" xmlns:mc="http://schemas.openxmlformats.org/markup-compatibility/2006" xmlns:mv="urn:schemas-microsoft-com:mac:vml" xmlns:p="http://schemas.openxmlformats.org/presentationml/2006/main" xmlns:c="http://schemas.openxmlformats.org/drawingml/2006/chart" xmlns:dgm="http://schemas.openxmlformats.org/drawingml/2006/diagram" xmlns:o="urn:schemas-microsoft-com:office:office" xmlns:v="urn:schemas-microsoft-com:vml" xmlns:pvml="urn:schemas-microsoft-com:office:powerpoint" xmlns:com="http://schemas.openxmlformats.org/drawingml/2006/compatibility" xmlns:p14="http://schemas.microsoft.com/office/powerpoint/2010/main" xmlns:p15="http://schemas.microsoft.com/office/powerpoint/2012/main">
+  <p:cSld>
+    <p:spTree>
+      <p:nvGrpSpPr>
+        <p:cNvPr id="155" name="Shape 155"/>
+        <p:cNvGrpSpPr/>
+        <p:nvPr/>
+      </p:nvGrpSpPr>
+      <p:grpSpPr>
+        <a:xfrm>
+          <a:off x="0" y="0"/>
+          <a:ext cx="0" cy="0"/>
+          <a:chOff x="0" y="0"/>
+          <a:chExt cx="0" cy="0"/>
+        </a:xfrm>
+      </p:grpSpPr>
+      <p:sp>
+        <p:nvSpPr>
+          <p:cNvPr id="156" name="Shape 156"/>
+          <p:cNvSpPr txBox="1"/>
+          <p:nvPr>
+            <p:ph type="title"/>
+          </p:nvPr>
+        </p:nvSpPr>
+        <p:spPr>
+          <a:xfrm>
+            <a:off x="773700" y="1806450"/>
+            <a:ext cx="7596600" cy="1530600"/>
+          </a:xfrm>
+          <a:prstGeom prst="rect">
+            <a:avLst/>
+          </a:prstGeom>
+        </p:spPr>
+        <p:txBody>
+          <a:bodyPr anchorCtr="0" anchor="ctr" bIns="91425" lIns="91425" spcFirstLastPara="1" rIns="91425" wrap="square" tIns="91425">
+            <a:noAutofit/>
+          </a:bodyPr>
+          <a:lstStyle/>
+          <a:p>
+            <a:pPr indent="0" lvl="0" marL="0">
+              <a:spcBef>
+                <a:spcPts val="0"/>
+              </a:spcBef>
+              <a:spcAft>
+                <a:spcPts val="0"/>
+              </a:spcAft>
+              <a:buNone/>
+            </a:pPr>
+            <a:r>
+              <a:rPr lang="ro"/>
+              <a:t>Thank You!</a:t>
+            </a:r>
+            <a:endParaRPr/>
+          </a:p>
+        </p:txBody>
+      </p:sp>
+    </p:spTree>
+  </p:cSld>
+  <p:clrMapOvr>
+    <a:masterClrMapping/>
+  </p:clrMapOvr>
+</p:sld>
+</file>
+
+<file path=ppt/slides/slide17.xml><?xml version="1.0" encoding="utf-8"?>
+<p:sld xmlns:a="http://schemas.openxmlformats.org/drawingml/2006/main" xmlns:r="http://schemas.openxmlformats.org/officeDocument/2006/relationships" xmlns:mc="http://schemas.openxmlformats.org/markup-compatibility/2006" xmlns:mv="urn:schemas-microsoft-com:mac:vml" xmlns:p="http://schemas.openxmlformats.org/presentationml/2006/main" xmlns:c="http://schemas.openxmlformats.org/drawingml/2006/chart" xmlns:dgm="http://schemas.openxmlformats.org/drawingml/2006/diagram" xmlns:o="urn:schemas-microsoft-com:office:office" xmlns:v="urn:schemas-microsoft-com:vml" xmlns:pvml="urn:schemas-microsoft-com:office:powerpoint" xmlns:com="http://schemas.openxmlformats.org/drawingml/2006/compatibility" xmlns:p14="http://schemas.microsoft.com/office/powerpoint/2010/main" xmlns:p15="http://schemas.microsoft.com/office/powerpoint/2012/main">
+  <p:cSld>
+    <p:spTree>
+      <p:nvGrpSpPr>
+        <p:cNvPr id="160" name="Shape 160"/>
+        <p:cNvGrpSpPr/>
+        <p:nvPr/>
+      </p:nvGrpSpPr>
+      <p:grpSpPr>
+        <a:xfrm>
+          <a:off x="0" y="0"/>
+          <a:ext cx="0" cy="0"/>
+          <a:chOff x="0" y="0"/>
+          <a:chExt cx="0" cy="0"/>
+        </a:xfrm>
+      </p:grpSpPr>
+      <p:sp>
+        <p:nvSpPr>
+          <p:cNvPr id="161" name="Shape 161"/>
+          <p:cNvSpPr txBox="1"/>
+          <p:nvPr>
+            <p:ph type="title"/>
+          </p:nvPr>
+        </p:nvSpPr>
+        <p:spPr>
+          <a:xfrm>
+            <a:off x="311700" y="315925"/>
+            <a:ext cx="8520600" cy="831300"/>
+          </a:xfrm>
+          <a:prstGeom prst="rect">
+            <a:avLst/>
+          </a:prstGeom>
+        </p:spPr>
+        <p:txBody>
+          <a:bodyPr anchorCtr="0" anchor="b" bIns="91425" lIns="91425" spcFirstLastPara="1" rIns="91425" wrap="square" tIns="91425">
+            <a:noAutofit/>
+          </a:bodyPr>
+          <a:lstStyle/>
+          <a:p>
+            <a:pPr indent="0" lvl="0" marL="0" algn="ctr">
+              <a:spcBef>
+                <a:spcPts val="0"/>
+              </a:spcBef>
+              <a:spcAft>
+                <a:spcPts val="0"/>
+              </a:spcAft>
+              <a:buNone/>
+            </a:pPr>
+            <a:r>
+              <a:rPr lang="ro"/>
+              <a:t>Server architecture</a:t>
+            </a:r>
+            <a:endParaRPr/>
+          </a:p>
+        </p:txBody>
+      </p:sp>
+      <p:pic>
+        <p:nvPicPr>
+          <p:cNvPr id="162" name="Shape 162"/>
+          <p:cNvPicPr preferRelativeResize="0"/>
+          <p:nvPr/>
+        </p:nvPicPr>
+        <p:blipFill>
+          <a:blip r:embed="rId3">
+            <a:alphaModFix/>
+          </a:blip>
+          <a:stretch>
+            <a:fillRect/>
+          </a:stretch>
+        </p:blipFill>
+        <p:spPr>
+          <a:xfrm>
+            <a:off x="1444335" y="1299625"/>
+            <a:ext cx="6255329" cy="3691475"/>
+          </a:xfrm>
+          <a:prstGeom prst="rect">
+            <a:avLst/>
+          </a:prstGeom>
+          <a:noFill/>
+          <a:ln>
+            <a:noFill/>
+          </a:ln>
+        </p:spPr>
+      </p:pic>
+    </p:spTree>
+  </p:cSld>
+  <p:clrMapOvr>
+    <a:masterClrMapping/>
+  </p:clrMapOvr>
+</p:sld>
+</file>
+
+<file path=ppt/slides/slide18.xml><?xml version="1.0" encoding="utf-8"?>
+<p:sld xmlns:a="http://schemas.openxmlformats.org/drawingml/2006/main" xmlns:r="http://schemas.openxmlformats.org/officeDocument/2006/relationships" xmlns:mc="http://schemas.openxmlformats.org/markup-compatibility/2006" xmlns:mv="urn:schemas-microsoft-com:mac:vml" xmlns:p="http://schemas.openxmlformats.org/presentationml/2006/main" xmlns:c="http://schemas.openxmlformats.org/drawingml/2006/chart" xmlns:dgm="http://schemas.openxmlformats.org/drawingml/2006/diagram" xmlns:o="urn:schemas-microsoft-com:office:office" xmlns:v="urn:schemas-microsoft-com:vml" xmlns:pvml="urn:schemas-microsoft-com:office:powerpoint" xmlns:com="http://schemas.openxmlformats.org/drawingml/2006/compatibility" xmlns:p14="http://schemas.microsoft.com/office/powerpoint/2010/main" xmlns:p15="http://schemas.microsoft.com/office/powerpoint/2012/main">
+  <p:cSld>
+    <p:spTree>
+      <p:nvGrpSpPr>
+        <p:cNvPr id="166" name="Shape 166"/>
+        <p:cNvGrpSpPr/>
+        <p:nvPr/>
+      </p:nvGrpSpPr>
+      <p:grpSpPr>
+        <a:xfrm>
+          <a:off x="0" y="0"/>
+          <a:ext cx="0" cy="0"/>
+          <a:chOff x="0" y="0"/>
+          <a:chExt cx="0" cy="0"/>
+        </a:xfrm>
+      </p:grpSpPr>
+      <p:sp>
+        <p:nvSpPr>
+          <p:cNvPr id="167" name="Shape 167"/>
+          <p:cNvSpPr txBox="1"/>
+          <p:nvPr>
+            <p:ph type="title"/>
+          </p:nvPr>
+        </p:nvSpPr>
+        <p:spPr>
+          <a:xfrm>
+            <a:off x="311700" y="315925"/>
+            <a:ext cx="8520600" cy="831300"/>
+          </a:xfrm>
+          <a:prstGeom prst="rect">
+            <a:avLst/>
+          </a:prstGeom>
+        </p:spPr>
+        <p:txBody>
+          <a:bodyPr anchorCtr="0" anchor="b" bIns="91425" lIns="91425" spcFirstLastPara="1" rIns="91425" wrap="square" tIns="91425">
+            <a:noAutofit/>
+          </a:bodyPr>
+          <a:lstStyle/>
+          <a:p>
+            <a:pPr indent="0" lvl="0" marL="0" algn="ctr">
+              <a:spcBef>
+                <a:spcPts val="0"/>
+              </a:spcBef>
+              <a:spcAft>
+                <a:spcPts val="0"/>
+              </a:spcAft>
+              <a:buNone/>
+            </a:pPr>
+            <a:r>
+              <a:rPr lang="ro"/>
+              <a:t>Client architecture</a:t>
+            </a:r>
+            <a:endParaRPr/>
+          </a:p>
+        </p:txBody>
+      </p:sp>
+      <p:pic>
+        <p:nvPicPr>
+          <p:cNvPr id="168" name="Shape 168"/>
+          <p:cNvPicPr preferRelativeResize="0"/>
+          <p:nvPr/>
+        </p:nvPicPr>
+        <p:blipFill>
+          <a:blip r:embed="rId3">
+            <a:alphaModFix/>
+          </a:blip>
+          <a:stretch>
+            <a:fillRect/>
+          </a:stretch>
+        </p:blipFill>
+        <p:spPr>
+          <a:xfrm>
+            <a:off x="1138928" y="1299625"/>
+            <a:ext cx="6866143" cy="3691475"/>
+          </a:xfrm>
+          <a:prstGeom prst="rect">
+            <a:avLst/>
+          </a:prstGeom>
+          <a:noFill/>
+          <a:ln>
+            <a:noFill/>
+          </a:ln>
+        </p:spPr>
+      </p:pic>
     </p:spTree>
   </p:cSld>
   <p:clrMapOvr>
@@ -7658,34 +9335,294 @@
           <a:chExt cx="0" cy="0"/>
         </a:xfrm>
       </p:grpSpPr>
-      <p:pic>
-        <p:nvPicPr>
+      <p:sp>
+        <p:nvSpPr>
           <p:cNvPr id="68" name="Shape 68"/>
-          <p:cNvPicPr preferRelativeResize="0"/>
-          <p:nvPr/>
-        </p:nvPicPr>
-        <p:blipFill>
-          <a:blip r:embed="rId3">
-            <a:alphaModFix/>
-          </a:blip>
-          <a:stretch>
-            <a:fillRect/>
-          </a:stretch>
-        </p:blipFill>
+          <p:cNvSpPr txBox="1"/>
+          <p:nvPr>
+            <p:ph type="title"/>
+          </p:nvPr>
+        </p:nvSpPr>
         <p:spPr>
           <a:xfrm>
-            <a:off x="3133725" y="1138238"/>
-            <a:ext cx="2876550" cy="2867025"/>
+            <a:off x="311700" y="315925"/>
+            <a:ext cx="8520600" cy="831300"/>
           </a:xfrm>
           <a:prstGeom prst="rect">
             <a:avLst/>
           </a:prstGeom>
-          <a:noFill/>
-          <a:ln>
-            <a:noFill/>
-          </a:ln>
-        </p:spPr>
-      </p:pic>
+        </p:spPr>
+        <p:txBody>
+          <a:bodyPr anchorCtr="0" anchor="b" bIns="91425" lIns="91425" spcFirstLastPara="1" rIns="91425" wrap="square" tIns="91425">
+            <a:noAutofit/>
+          </a:bodyPr>
+          <a:lstStyle/>
+          <a:p>
+            <a:pPr indent="0" lvl="0" marL="0">
+              <a:spcBef>
+                <a:spcPts val="0"/>
+              </a:spcBef>
+              <a:spcAft>
+                <a:spcPts val="0"/>
+              </a:spcAft>
+              <a:buNone/>
+            </a:pPr>
+            <a:r>
+              <a:rPr lang="ro"/>
+              <a:t>Agenda</a:t>
+            </a:r>
+            <a:endParaRPr/>
+          </a:p>
+        </p:txBody>
+      </p:sp>
+      <p:sp>
+        <p:nvSpPr>
+          <p:cNvPr id="69" name="Shape 69"/>
+          <p:cNvSpPr txBox="1"/>
+          <p:nvPr>
+            <p:ph idx="1" type="body"/>
+          </p:nvPr>
+        </p:nvSpPr>
+        <p:spPr>
+          <a:xfrm>
+            <a:off x="311700" y="1225225"/>
+            <a:ext cx="8520600" cy="3354000"/>
+          </a:xfrm>
+          <a:prstGeom prst="rect">
+            <a:avLst/>
+          </a:prstGeom>
+        </p:spPr>
+        <p:txBody>
+          <a:bodyPr anchorCtr="0" anchor="t" bIns="91425" lIns="91425" spcFirstLastPara="1" rIns="91425" wrap="square" tIns="91425">
+            <a:noAutofit/>
+          </a:bodyPr>
+          <a:lstStyle/>
+          <a:p>
+            <a:pPr indent="-381000" lvl="0" marL="457200" rtl="0">
+              <a:spcBef>
+                <a:spcPts val="0"/>
+              </a:spcBef>
+              <a:spcAft>
+                <a:spcPts val="0"/>
+              </a:spcAft>
+              <a:buSzPts val="2400"/>
+              <a:buFont typeface="Economica"/>
+              <a:buChar char="❖"/>
+            </a:pPr>
+            <a:r>
+              <a:rPr lang="ro" sz="2400">
+                <a:latin typeface="Economica"/>
+                <a:ea typeface="Economica"/>
+                <a:cs typeface="Economica"/>
+                <a:sym typeface="Economica"/>
+              </a:rPr>
+              <a:t>Contributions.</a:t>
+            </a:r>
+            <a:endParaRPr sz="2400">
+              <a:latin typeface="Economica"/>
+              <a:ea typeface="Economica"/>
+              <a:cs typeface="Economica"/>
+              <a:sym typeface="Economica"/>
+            </a:endParaRPr>
+          </a:p>
+          <a:p>
+            <a:pPr indent="-381000" lvl="0" marL="457200" rtl="0">
+              <a:spcBef>
+                <a:spcPts val="0"/>
+              </a:spcBef>
+              <a:spcAft>
+                <a:spcPts val="0"/>
+              </a:spcAft>
+              <a:buSzPts val="2400"/>
+              <a:buFont typeface="Economica"/>
+              <a:buChar char="❖"/>
+            </a:pPr>
+            <a:r>
+              <a:rPr lang="ro" sz="2400">
+                <a:latin typeface="Economica"/>
+                <a:ea typeface="Economica"/>
+                <a:cs typeface="Economica"/>
+                <a:sym typeface="Economica"/>
+              </a:rPr>
+              <a:t>Used technologies.</a:t>
+            </a:r>
+            <a:endParaRPr sz="2400">
+              <a:latin typeface="Economica"/>
+              <a:ea typeface="Economica"/>
+              <a:cs typeface="Economica"/>
+              <a:sym typeface="Economica"/>
+            </a:endParaRPr>
+          </a:p>
+          <a:p>
+            <a:pPr indent="-381000" lvl="0" marL="457200" rtl="0">
+              <a:spcBef>
+                <a:spcPts val="0"/>
+              </a:spcBef>
+              <a:spcAft>
+                <a:spcPts val="0"/>
+              </a:spcAft>
+              <a:buSzPts val="2400"/>
+              <a:buFont typeface="Economica"/>
+              <a:buChar char="❖"/>
+            </a:pPr>
+            <a:r>
+              <a:rPr lang="ro" sz="2400">
+                <a:latin typeface="Economica"/>
+                <a:ea typeface="Economica"/>
+                <a:cs typeface="Economica"/>
+                <a:sym typeface="Economica"/>
+              </a:rPr>
+              <a:t>What is a cellular automata?</a:t>
+            </a:r>
+            <a:endParaRPr sz="2400">
+              <a:latin typeface="Economica"/>
+              <a:ea typeface="Economica"/>
+              <a:cs typeface="Economica"/>
+              <a:sym typeface="Economica"/>
+            </a:endParaRPr>
+          </a:p>
+          <a:p>
+            <a:pPr indent="-381000" lvl="0" marL="457200" rtl="0">
+              <a:spcBef>
+                <a:spcPts val="0"/>
+              </a:spcBef>
+              <a:spcAft>
+                <a:spcPts val="0"/>
+              </a:spcAft>
+              <a:buSzPts val="2400"/>
+              <a:buFont typeface="Economica"/>
+              <a:buChar char="❖"/>
+            </a:pPr>
+            <a:r>
+              <a:rPr lang="ro" sz="2400">
+                <a:latin typeface="Economica"/>
+                <a:ea typeface="Economica"/>
+                <a:cs typeface="Economica"/>
+                <a:sym typeface="Economica"/>
+              </a:rPr>
+              <a:t>Game of Life (most renowned CA).</a:t>
+            </a:r>
+            <a:endParaRPr sz="2400">
+              <a:latin typeface="Economica"/>
+              <a:ea typeface="Economica"/>
+              <a:cs typeface="Economica"/>
+              <a:sym typeface="Economica"/>
+            </a:endParaRPr>
+          </a:p>
+          <a:p>
+            <a:pPr indent="-381000" lvl="0" marL="457200" rtl="0">
+              <a:spcBef>
+                <a:spcPts val="0"/>
+              </a:spcBef>
+              <a:spcAft>
+                <a:spcPts val="0"/>
+              </a:spcAft>
+              <a:buSzPts val="2400"/>
+              <a:buFont typeface="Economica"/>
+              <a:buChar char="❖"/>
+            </a:pPr>
+            <a:r>
+              <a:rPr lang="ro" sz="2400">
+                <a:latin typeface="Economica"/>
+                <a:ea typeface="Economica"/>
+                <a:cs typeface="Economica"/>
+                <a:sym typeface="Economica"/>
+              </a:rPr>
+              <a:t>Competitive CA.</a:t>
+            </a:r>
+            <a:endParaRPr sz="2400">
+              <a:latin typeface="Economica"/>
+              <a:ea typeface="Economica"/>
+              <a:cs typeface="Economica"/>
+              <a:sym typeface="Economica"/>
+            </a:endParaRPr>
+          </a:p>
+          <a:p>
+            <a:pPr indent="-381000" lvl="0" marL="457200" rtl="0">
+              <a:spcBef>
+                <a:spcPts val="0"/>
+              </a:spcBef>
+              <a:spcAft>
+                <a:spcPts val="0"/>
+              </a:spcAft>
+              <a:buSzPts val="2400"/>
+              <a:buFont typeface="Economica"/>
+              <a:buChar char="❖"/>
+            </a:pPr>
+            <a:r>
+              <a:rPr lang="ro" sz="2400">
+                <a:latin typeface="Economica"/>
+                <a:ea typeface="Economica"/>
+                <a:cs typeface="Economica"/>
+                <a:sym typeface="Economica"/>
+              </a:rPr>
+              <a:t>Notation and CA comparison.</a:t>
+            </a:r>
+            <a:endParaRPr sz="2400">
+              <a:latin typeface="Economica"/>
+              <a:ea typeface="Economica"/>
+              <a:cs typeface="Economica"/>
+              <a:sym typeface="Economica"/>
+            </a:endParaRPr>
+          </a:p>
+          <a:p>
+            <a:pPr indent="-381000" lvl="0" marL="457200" rtl="0">
+              <a:spcBef>
+                <a:spcPts val="0"/>
+              </a:spcBef>
+              <a:spcAft>
+                <a:spcPts val="0"/>
+              </a:spcAft>
+              <a:buSzPts val="2400"/>
+              <a:buFont typeface="Economica"/>
+              <a:buChar char="❖"/>
+            </a:pPr>
+            <a:r>
+              <a:rPr lang="ro" sz="2400">
+                <a:latin typeface="Economica"/>
+                <a:ea typeface="Economica"/>
+                <a:cs typeface="Economica"/>
+                <a:sym typeface="Economica"/>
+              </a:rPr>
+              <a:t>Demo.</a:t>
+            </a:r>
+            <a:endParaRPr sz="2400">
+              <a:latin typeface="Economica"/>
+              <a:ea typeface="Economica"/>
+              <a:cs typeface="Economica"/>
+              <a:sym typeface="Economica"/>
+            </a:endParaRPr>
+          </a:p>
+          <a:p>
+            <a:pPr indent="-381000" lvl="0" marL="457200" rtl="0">
+              <a:spcBef>
+                <a:spcPts val="0"/>
+              </a:spcBef>
+              <a:spcAft>
+                <a:spcPts val="0"/>
+              </a:spcAft>
+              <a:buSzPts val="2400"/>
+              <a:buFont typeface="Economica"/>
+              <a:buChar char="❖"/>
+            </a:pPr>
+            <a:r>
+              <a:rPr lang="ro" sz="2400">
+                <a:latin typeface="Economica"/>
+                <a:ea typeface="Economica"/>
+                <a:cs typeface="Economica"/>
+                <a:sym typeface="Economica"/>
+              </a:rPr>
+              <a:t>Questions and Answers.</a:t>
+            </a:r>
+            <a:endParaRPr sz="2400">
+              <a:latin typeface="Economica"/>
+              <a:ea typeface="Economica"/>
+              <a:cs typeface="Economica"/>
+              <a:sym typeface="Economica"/>
+            </a:endParaRPr>
+          </a:p>
+        </p:txBody>
+      </p:sp>
     </p:spTree>
   </p:cSld>
   <p:clrMapOvr>
@@ -7699,7 +9636,538 @@
   <p:cSld>
     <p:spTree>
       <p:nvGrpSpPr>
-        <p:cNvPr id="72" name="Shape 72"/>
+        <p:cNvPr id="73" name="Shape 73"/>
+        <p:cNvGrpSpPr/>
+        <p:nvPr/>
+      </p:nvGrpSpPr>
+      <p:grpSpPr>
+        <a:xfrm>
+          <a:off x="0" y="0"/>
+          <a:ext cx="0" cy="0"/>
+          <a:chOff x="0" y="0"/>
+          <a:chExt cx="0" cy="0"/>
+        </a:xfrm>
+      </p:grpSpPr>
+      <p:sp>
+        <p:nvSpPr>
+          <p:cNvPr id="74" name="Shape 74"/>
+          <p:cNvSpPr txBox="1"/>
+          <p:nvPr>
+            <p:ph type="title"/>
+          </p:nvPr>
+        </p:nvSpPr>
+        <p:spPr>
+          <a:xfrm>
+            <a:off x="311700" y="315925"/>
+            <a:ext cx="8520600" cy="831300"/>
+          </a:xfrm>
+          <a:prstGeom prst="rect">
+            <a:avLst/>
+          </a:prstGeom>
+        </p:spPr>
+        <p:txBody>
+          <a:bodyPr anchorCtr="0" anchor="b" bIns="91425" lIns="91425" spcFirstLastPara="1" rIns="91425" wrap="square" tIns="91425">
+            <a:noAutofit/>
+          </a:bodyPr>
+          <a:lstStyle/>
+          <a:p>
+            <a:pPr indent="0" lvl="0" marL="0" algn="ctr">
+              <a:spcBef>
+                <a:spcPts val="0"/>
+              </a:spcBef>
+              <a:spcAft>
+                <a:spcPts val="0"/>
+              </a:spcAft>
+              <a:buNone/>
+            </a:pPr>
+            <a:r>
+              <a:rPr lang="ro"/>
+              <a:t>Contributions</a:t>
+            </a:r>
+            <a:endParaRPr/>
+          </a:p>
+        </p:txBody>
+      </p:sp>
+      <p:sp>
+        <p:nvSpPr>
+          <p:cNvPr id="75" name="Shape 75"/>
+          <p:cNvSpPr txBox="1"/>
+          <p:nvPr/>
+        </p:nvSpPr>
+        <p:spPr>
+          <a:xfrm>
+            <a:off x="1303200" y="1115850"/>
+            <a:ext cx="6537600" cy="2911800"/>
+          </a:xfrm>
+          <a:prstGeom prst="rect">
+            <a:avLst/>
+          </a:prstGeom>
+          <a:noFill/>
+          <a:ln>
+            <a:noFill/>
+          </a:ln>
+        </p:spPr>
+        <p:txBody>
+          <a:bodyPr anchorCtr="0" anchor="ctr" bIns="91425" lIns="91425" spcFirstLastPara="1" rIns="91425" wrap="square" tIns="91425">
+            <a:noAutofit/>
+          </a:bodyPr>
+          <a:lstStyle/>
+          <a:p>
+            <a:pPr indent="-381000" lvl="0" marL="457200" rtl="0">
+              <a:lnSpc>
+                <a:spcPct val="100000"/>
+              </a:lnSpc>
+              <a:spcBef>
+                <a:spcPts val="0"/>
+              </a:spcBef>
+              <a:spcAft>
+                <a:spcPts val="0"/>
+              </a:spcAft>
+              <a:buSzPts val="2400"/>
+              <a:buFont typeface="Economica"/>
+              <a:buChar char="❖"/>
+            </a:pPr>
+            <a:r>
+              <a:rPr lang="ro" sz="2400">
+                <a:latin typeface="Economica"/>
+                <a:ea typeface="Economica"/>
+                <a:cs typeface="Economica"/>
+                <a:sym typeface="Economica"/>
+              </a:rPr>
+              <a:t>Taking an ‘old’, abstract concept and making it into a ‘modern’ and fun looking one (gamification at its finest).</a:t>
+            </a:r>
+            <a:endParaRPr sz="2400">
+              <a:latin typeface="Economica"/>
+              <a:ea typeface="Economica"/>
+              <a:cs typeface="Economica"/>
+              <a:sym typeface="Economica"/>
+            </a:endParaRPr>
+          </a:p>
+          <a:p>
+            <a:pPr indent="-381000" lvl="0" marL="457200">
+              <a:spcBef>
+                <a:spcPts val="1000"/>
+              </a:spcBef>
+              <a:spcAft>
+                <a:spcPts val="0"/>
+              </a:spcAft>
+              <a:buSzPts val="2400"/>
+              <a:buFont typeface="Economica"/>
+              <a:buChar char="❖"/>
+            </a:pPr>
+            <a:r>
+              <a:rPr lang="ro" sz="2400">
+                <a:latin typeface="Economica"/>
+                <a:ea typeface="Economica"/>
+                <a:cs typeface="Economica"/>
+                <a:sym typeface="Economica"/>
+              </a:rPr>
+              <a:t>Supporting a whole community of CA enthusiasts (like myself).</a:t>
+            </a:r>
+            <a:endParaRPr sz="2400">
+              <a:latin typeface="Economica"/>
+              <a:ea typeface="Economica"/>
+              <a:cs typeface="Economica"/>
+              <a:sym typeface="Economica"/>
+            </a:endParaRPr>
+          </a:p>
+        </p:txBody>
+      </p:sp>
+    </p:spTree>
+  </p:cSld>
+  <p:clrMapOvr>
+    <a:masterClrMapping/>
+  </p:clrMapOvr>
+</p:sld>
+</file>
+
+<file path=ppt/slides/slide4.xml><?xml version="1.0" encoding="utf-8"?>
+<p:sld xmlns:a="http://schemas.openxmlformats.org/drawingml/2006/main" xmlns:r="http://schemas.openxmlformats.org/officeDocument/2006/relationships" xmlns:mc="http://schemas.openxmlformats.org/markup-compatibility/2006" xmlns:mv="urn:schemas-microsoft-com:mac:vml" xmlns:p="http://schemas.openxmlformats.org/presentationml/2006/main" xmlns:c="http://schemas.openxmlformats.org/drawingml/2006/chart" xmlns:dgm="http://schemas.openxmlformats.org/drawingml/2006/diagram" xmlns:o="urn:schemas-microsoft-com:office:office" xmlns:v="urn:schemas-microsoft-com:vml" xmlns:pvml="urn:schemas-microsoft-com:office:powerpoint" xmlns:com="http://schemas.openxmlformats.org/drawingml/2006/compatibility" xmlns:p14="http://schemas.microsoft.com/office/powerpoint/2010/main" xmlns:p15="http://schemas.microsoft.com/office/powerpoint/2012/main">
+  <p:cSld>
+    <p:spTree>
+      <p:nvGrpSpPr>
+        <p:cNvPr id="79" name="Shape 79"/>
+        <p:cNvGrpSpPr/>
+        <p:nvPr/>
+      </p:nvGrpSpPr>
+      <p:grpSpPr>
+        <a:xfrm>
+          <a:off x="0" y="0"/>
+          <a:ext cx="0" cy="0"/>
+          <a:chOff x="0" y="0"/>
+          <a:chExt cx="0" cy="0"/>
+        </a:xfrm>
+      </p:grpSpPr>
+      <p:sp>
+        <p:nvSpPr>
+          <p:cNvPr id="80" name="Shape 80"/>
+          <p:cNvSpPr txBox="1"/>
+          <p:nvPr>
+            <p:ph type="title"/>
+          </p:nvPr>
+        </p:nvSpPr>
+        <p:spPr>
+          <a:xfrm>
+            <a:off x="311700" y="315925"/>
+            <a:ext cx="8520600" cy="831300"/>
+          </a:xfrm>
+          <a:prstGeom prst="rect">
+            <a:avLst/>
+          </a:prstGeom>
+        </p:spPr>
+        <p:txBody>
+          <a:bodyPr anchorCtr="0" anchor="b" bIns="91425" lIns="91425" spcFirstLastPara="1" rIns="91425" wrap="square" tIns="91425">
+            <a:noAutofit/>
+          </a:bodyPr>
+          <a:lstStyle/>
+          <a:p>
+            <a:pPr indent="0" lvl="0" marL="0" algn="ctr">
+              <a:spcBef>
+                <a:spcPts val="0"/>
+              </a:spcBef>
+              <a:spcAft>
+                <a:spcPts val="0"/>
+              </a:spcAft>
+              <a:buNone/>
+            </a:pPr>
+            <a:r>
+              <a:rPr lang="ro"/>
+              <a:t>Used technologies</a:t>
+            </a:r>
+            <a:endParaRPr/>
+          </a:p>
+        </p:txBody>
+      </p:sp>
+      <p:sp>
+        <p:nvSpPr>
+          <p:cNvPr id="81" name="Shape 81"/>
+          <p:cNvSpPr txBox="1"/>
+          <p:nvPr>
+            <p:ph idx="1" type="body"/>
+          </p:nvPr>
+        </p:nvSpPr>
+        <p:spPr>
+          <a:xfrm>
+            <a:off x="311700" y="1440000"/>
+            <a:ext cx="3999900" cy="3240000"/>
+          </a:xfrm>
+          <a:prstGeom prst="rect">
+            <a:avLst/>
+          </a:prstGeom>
+        </p:spPr>
+        <p:txBody>
+          <a:bodyPr anchorCtr="0" anchor="t" bIns="91425" lIns="91425" spcFirstLastPara="1" rIns="91425" wrap="square" tIns="91425">
+            <a:noAutofit/>
+          </a:bodyPr>
+          <a:lstStyle/>
+          <a:p>
+            <a:pPr indent="0" lvl="0" marL="0" rtl="0" algn="ctr">
+              <a:spcBef>
+                <a:spcPts val="0"/>
+              </a:spcBef>
+              <a:spcAft>
+                <a:spcPts val="0"/>
+              </a:spcAft>
+              <a:buNone/>
+            </a:pPr>
+            <a:r>
+              <a:rPr lang="ro" sz="3000">
+                <a:latin typeface="Economica"/>
+                <a:ea typeface="Economica"/>
+                <a:cs typeface="Economica"/>
+                <a:sym typeface="Economica"/>
+              </a:rPr>
+              <a:t>Server-side</a:t>
+            </a:r>
+            <a:endParaRPr sz="3000">
+              <a:latin typeface="Economica"/>
+              <a:ea typeface="Economica"/>
+              <a:cs typeface="Economica"/>
+              <a:sym typeface="Economica"/>
+            </a:endParaRPr>
+          </a:p>
+          <a:p>
+            <a:pPr indent="-342900" lvl="0" marL="457200" rtl="0">
+              <a:spcBef>
+                <a:spcPts val="1600"/>
+              </a:spcBef>
+              <a:spcAft>
+                <a:spcPts val="0"/>
+              </a:spcAft>
+              <a:buSzPts val="1800"/>
+              <a:buFont typeface="Economica"/>
+              <a:buChar char="❖"/>
+            </a:pPr>
+            <a:r>
+              <a:rPr lang="ro" sz="1800">
+                <a:latin typeface="Economica"/>
+                <a:ea typeface="Economica"/>
+                <a:cs typeface="Economica"/>
+                <a:sym typeface="Economica"/>
+              </a:rPr>
+              <a:t>SignalR (coolest framework I’ve used)</a:t>
+            </a:r>
+            <a:endParaRPr sz="1800">
+              <a:latin typeface="Economica"/>
+              <a:ea typeface="Economica"/>
+              <a:cs typeface="Economica"/>
+              <a:sym typeface="Economica"/>
+            </a:endParaRPr>
+          </a:p>
+          <a:p>
+            <a:pPr indent="-342900" lvl="0" marL="457200" rtl="0">
+              <a:spcBef>
+                <a:spcPts val="0"/>
+              </a:spcBef>
+              <a:spcAft>
+                <a:spcPts val="0"/>
+              </a:spcAft>
+              <a:buSzPts val="1800"/>
+              <a:buFont typeface="Economica"/>
+              <a:buChar char="❖"/>
+            </a:pPr>
+            <a:r>
+              <a:rPr lang="ro" sz="1800">
+                <a:latin typeface="Economica"/>
+                <a:ea typeface="Economica"/>
+                <a:cs typeface="Economica"/>
+                <a:sym typeface="Economica"/>
+              </a:rPr>
+              <a:t>.NET Core 2.1</a:t>
+            </a:r>
+            <a:endParaRPr sz="1800">
+              <a:latin typeface="Economica"/>
+              <a:ea typeface="Economica"/>
+              <a:cs typeface="Economica"/>
+              <a:sym typeface="Economica"/>
+            </a:endParaRPr>
+          </a:p>
+          <a:p>
+            <a:pPr indent="-342900" lvl="0" marL="457200" rtl="0">
+              <a:spcBef>
+                <a:spcPts val="0"/>
+              </a:spcBef>
+              <a:spcAft>
+                <a:spcPts val="0"/>
+              </a:spcAft>
+              <a:buSzPts val="1800"/>
+              <a:buFont typeface="Economica"/>
+              <a:buChar char="❖"/>
+            </a:pPr>
+            <a:r>
+              <a:rPr lang="ro" sz="1800">
+                <a:latin typeface="Economica"/>
+                <a:ea typeface="Economica"/>
+                <a:cs typeface="Economica"/>
+                <a:sym typeface="Economica"/>
+              </a:rPr>
+              <a:t>Automapper</a:t>
+            </a:r>
+            <a:endParaRPr sz="1800">
+              <a:latin typeface="Economica"/>
+              <a:ea typeface="Economica"/>
+              <a:cs typeface="Economica"/>
+              <a:sym typeface="Economica"/>
+            </a:endParaRPr>
+          </a:p>
+          <a:p>
+            <a:pPr indent="-342900" lvl="0" marL="457200">
+              <a:spcBef>
+                <a:spcPts val="0"/>
+              </a:spcBef>
+              <a:spcAft>
+                <a:spcPts val="0"/>
+              </a:spcAft>
+              <a:buSzPts val="1800"/>
+              <a:buFont typeface="Economica"/>
+              <a:buChar char="❖"/>
+            </a:pPr>
+            <a:r>
+              <a:rPr lang="ro" sz="1800">
+                <a:latin typeface="Economica"/>
+                <a:ea typeface="Economica"/>
+                <a:cs typeface="Economica"/>
+                <a:sym typeface="Economica"/>
+              </a:rPr>
+              <a:t>Sql Server</a:t>
+            </a:r>
+            <a:endParaRPr sz="1800">
+              <a:latin typeface="Economica"/>
+              <a:ea typeface="Economica"/>
+              <a:cs typeface="Economica"/>
+              <a:sym typeface="Economica"/>
+            </a:endParaRPr>
+          </a:p>
+        </p:txBody>
+      </p:sp>
+      <p:sp>
+        <p:nvSpPr>
+          <p:cNvPr id="82" name="Shape 82"/>
+          <p:cNvSpPr txBox="1"/>
+          <p:nvPr>
+            <p:ph idx="2" type="body"/>
+          </p:nvPr>
+        </p:nvSpPr>
+        <p:spPr>
+          <a:xfrm>
+            <a:off x="4832400" y="1440000"/>
+            <a:ext cx="3999900" cy="3240000"/>
+          </a:xfrm>
+          <a:prstGeom prst="rect">
+            <a:avLst/>
+          </a:prstGeom>
+        </p:spPr>
+        <p:txBody>
+          <a:bodyPr anchorCtr="0" anchor="t" bIns="91425" lIns="91425" spcFirstLastPara="1" rIns="91425" wrap="square" tIns="91425">
+            <a:noAutofit/>
+          </a:bodyPr>
+          <a:lstStyle/>
+          <a:p>
+            <a:pPr indent="0" lvl="0" marL="0" rtl="0" algn="ctr">
+              <a:spcBef>
+                <a:spcPts val="0"/>
+              </a:spcBef>
+              <a:spcAft>
+                <a:spcPts val="0"/>
+              </a:spcAft>
+              <a:buNone/>
+            </a:pPr>
+            <a:r>
+              <a:rPr lang="ro" sz="3000">
+                <a:latin typeface="Economica"/>
+                <a:ea typeface="Economica"/>
+                <a:cs typeface="Economica"/>
+                <a:sym typeface="Economica"/>
+              </a:rPr>
+              <a:t>Client-side</a:t>
+            </a:r>
+            <a:endParaRPr sz="3000">
+              <a:latin typeface="Economica"/>
+              <a:ea typeface="Economica"/>
+              <a:cs typeface="Economica"/>
+              <a:sym typeface="Economica"/>
+            </a:endParaRPr>
+          </a:p>
+          <a:p>
+            <a:pPr indent="-342900" lvl="0" marL="457200" rtl="0">
+              <a:spcBef>
+                <a:spcPts val="1600"/>
+              </a:spcBef>
+              <a:spcAft>
+                <a:spcPts val="0"/>
+              </a:spcAft>
+              <a:buSzPts val="1800"/>
+              <a:buFont typeface="Economica"/>
+              <a:buChar char="❖"/>
+            </a:pPr>
+            <a:r>
+              <a:rPr lang="ro" sz="1800">
+                <a:latin typeface="Economica"/>
+                <a:ea typeface="Economica"/>
+                <a:cs typeface="Economica"/>
+                <a:sym typeface="Economica"/>
+              </a:rPr>
+              <a:t>Angular 6</a:t>
+            </a:r>
+            <a:endParaRPr sz="1800">
+              <a:latin typeface="Economica"/>
+              <a:ea typeface="Economica"/>
+              <a:cs typeface="Economica"/>
+              <a:sym typeface="Economica"/>
+            </a:endParaRPr>
+          </a:p>
+          <a:p>
+            <a:pPr indent="-342900" lvl="0" marL="457200" rtl="0">
+              <a:spcBef>
+                <a:spcPts val="0"/>
+              </a:spcBef>
+              <a:spcAft>
+                <a:spcPts val="0"/>
+              </a:spcAft>
+              <a:buSzPts val="1800"/>
+              <a:buFont typeface="Economica"/>
+              <a:buChar char="❖"/>
+            </a:pPr>
+            <a:r>
+              <a:rPr lang="ro" sz="1800">
+                <a:latin typeface="Economica"/>
+                <a:ea typeface="Economica"/>
+                <a:cs typeface="Economica"/>
+                <a:sym typeface="Economica"/>
+              </a:rPr>
+              <a:t>RxJS</a:t>
+            </a:r>
+            <a:endParaRPr sz="1800">
+              <a:latin typeface="Economica"/>
+              <a:ea typeface="Economica"/>
+              <a:cs typeface="Economica"/>
+              <a:sym typeface="Economica"/>
+            </a:endParaRPr>
+          </a:p>
+          <a:p>
+            <a:pPr indent="-342900" lvl="0" marL="457200" rtl="0">
+              <a:spcBef>
+                <a:spcPts val="0"/>
+              </a:spcBef>
+              <a:spcAft>
+                <a:spcPts val="0"/>
+              </a:spcAft>
+              <a:buSzPts val="1800"/>
+              <a:buFont typeface="Economica"/>
+              <a:buChar char="❖"/>
+            </a:pPr>
+            <a:r>
+              <a:rPr lang="ro" sz="1800">
+                <a:latin typeface="Economica"/>
+                <a:ea typeface="Economica"/>
+                <a:cs typeface="Economica"/>
+                <a:sym typeface="Economica"/>
+              </a:rPr>
+              <a:t>Material Design Bootstrap</a:t>
+            </a:r>
+            <a:endParaRPr sz="1800">
+              <a:latin typeface="Economica"/>
+              <a:ea typeface="Economica"/>
+              <a:cs typeface="Economica"/>
+              <a:sym typeface="Economica"/>
+            </a:endParaRPr>
+          </a:p>
+          <a:p>
+            <a:pPr indent="0" lvl="0" marL="0" algn="ctr">
+              <a:spcBef>
+                <a:spcPts val="1600"/>
+              </a:spcBef>
+              <a:spcAft>
+                <a:spcPts val="1600"/>
+              </a:spcAft>
+              <a:buNone/>
+            </a:pPr>
+            <a:r>
+              <a:t/>
+            </a:r>
+            <a:endParaRPr sz="3000">
+              <a:latin typeface="Economica"/>
+              <a:ea typeface="Economica"/>
+              <a:cs typeface="Economica"/>
+              <a:sym typeface="Economica"/>
+            </a:endParaRPr>
+          </a:p>
+        </p:txBody>
+      </p:sp>
+    </p:spTree>
+  </p:cSld>
+  <p:clrMapOvr>
+    <a:masterClrMapping/>
+  </p:clrMapOvr>
+</p:sld>
+</file>
+
+<file path=ppt/slides/slide5.xml><?xml version="1.0" encoding="utf-8"?>
+<p:sld xmlns:a="http://schemas.openxmlformats.org/drawingml/2006/main" xmlns:r="http://schemas.openxmlformats.org/officeDocument/2006/relationships" xmlns:mc="http://schemas.openxmlformats.org/markup-compatibility/2006" xmlns:mv="urn:schemas-microsoft-com:mac:vml" xmlns:p="http://schemas.openxmlformats.org/presentationml/2006/main" xmlns:c="http://schemas.openxmlformats.org/drawingml/2006/chart" xmlns:dgm="http://schemas.openxmlformats.org/drawingml/2006/diagram" xmlns:o="urn:schemas-microsoft-com:office:office" xmlns:v="urn:schemas-microsoft-com:vml" xmlns:pvml="urn:schemas-microsoft-com:office:powerpoint" xmlns:com="http://schemas.openxmlformats.org/drawingml/2006/compatibility" xmlns:p14="http://schemas.microsoft.com/office/powerpoint/2010/main" xmlns:p15="http://schemas.microsoft.com/office/powerpoint/2012/main">
+  <p:cSld>
+    <p:spTree>
+      <p:nvGrpSpPr>
+        <p:cNvPr id="86" name="Shape 86"/>
         <p:cNvGrpSpPr/>
         <p:nvPr/>
       </p:nvGrpSpPr>
@@ -7713,7 +10181,7 @@
       </p:grpSpPr>
       <p:pic>
         <p:nvPicPr>
-          <p:cNvPr id="73" name="Shape 73"/>
+          <p:cNvPr id="87" name="Shape 87"/>
           <p:cNvPicPr preferRelativeResize="0"/>
           <p:nvPr/>
         </p:nvPicPr>
@@ -7727,8 +10195,8 @@
         </p:blipFill>
         <p:spPr>
           <a:xfrm>
-            <a:off x="3562350" y="1562100"/>
-            <a:ext cx="2019300" cy="2019300"/>
+            <a:off x="3289962" y="1718000"/>
+            <a:ext cx="2564075" cy="1707500"/>
           </a:xfrm>
           <a:prstGeom prst="rect">
             <a:avLst/>
@@ -7739,439 +10207,9 @@
           </a:ln>
         </p:spPr>
       </p:pic>
-    </p:spTree>
-  </p:cSld>
-  <p:clrMapOvr>
-    <a:masterClrMapping/>
-  </p:clrMapOvr>
-</p:sld>
-</file>
-
-<file path=ppt/slides/slide4.xml><?xml version="1.0" encoding="utf-8"?>
-<p:sld xmlns:a="http://schemas.openxmlformats.org/drawingml/2006/main" xmlns:r="http://schemas.openxmlformats.org/officeDocument/2006/relationships" xmlns:mc="http://schemas.openxmlformats.org/markup-compatibility/2006" xmlns:mv="urn:schemas-microsoft-com:mac:vml" xmlns:p="http://schemas.openxmlformats.org/presentationml/2006/main" xmlns:c="http://schemas.openxmlformats.org/drawingml/2006/chart" xmlns:dgm="http://schemas.openxmlformats.org/drawingml/2006/diagram" xmlns:o="urn:schemas-microsoft-com:office:office" xmlns:v="urn:schemas-microsoft-com:vml" xmlns:pvml="urn:schemas-microsoft-com:office:powerpoint" xmlns:com="http://schemas.openxmlformats.org/drawingml/2006/compatibility" xmlns:p14="http://schemas.microsoft.com/office/powerpoint/2010/main" xmlns:p15="http://schemas.microsoft.com/office/powerpoint/2012/main">
-  <p:cSld>
-    <p:spTree>
-      <p:nvGrpSpPr>
-        <p:cNvPr id="77" name="Shape 77"/>
-        <p:cNvGrpSpPr/>
-        <p:nvPr/>
-      </p:nvGrpSpPr>
-      <p:grpSpPr>
-        <a:xfrm>
-          <a:off x="0" y="0"/>
-          <a:ext cx="0" cy="0"/>
-          <a:chOff x="0" y="0"/>
-          <a:chExt cx="0" cy="0"/>
-        </a:xfrm>
-      </p:grpSpPr>
       <p:sp>
         <p:nvSpPr>
-          <p:cNvPr id="78" name="Shape 78"/>
-          <p:cNvSpPr txBox="1"/>
-          <p:nvPr>
-            <p:ph type="title"/>
-          </p:nvPr>
-        </p:nvSpPr>
-        <p:spPr>
-          <a:xfrm>
-            <a:off x="751000" y="333600"/>
-            <a:ext cx="2808000" cy="755700"/>
-          </a:xfrm>
-          <a:prstGeom prst="rect">
-            <a:avLst/>
-          </a:prstGeom>
-        </p:spPr>
-        <p:txBody>
-          <a:bodyPr anchorCtr="0" anchor="b" bIns="91425" lIns="91425" spcFirstLastPara="1" rIns="91425" wrap="square" tIns="91425">
-            <a:noAutofit/>
-          </a:bodyPr>
-          <a:lstStyle/>
-          <a:p>
-            <a:pPr indent="0" lvl="0" marL="0">
-              <a:spcBef>
-                <a:spcPts val="0"/>
-              </a:spcBef>
-              <a:spcAft>
-                <a:spcPts val="0"/>
-              </a:spcAft>
-              <a:buNone/>
-            </a:pPr>
-            <a:r>
-              <a:rPr lang="ro" sz="2400"/>
-              <a:t>Game of Life transitions</a:t>
-            </a:r>
-            <a:endParaRPr sz="2400"/>
-          </a:p>
-        </p:txBody>
-      </p:sp>
-      <p:sp>
-        <p:nvSpPr>
-          <p:cNvPr id="79" name="Shape 79"/>
-          <p:cNvSpPr txBox="1"/>
-          <p:nvPr>
-            <p:ph idx="1" type="body"/>
-          </p:nvPr>
-        </p:nvSpPr>
-        <p:spPr>
-          <a:xfrm>
-            <a:off x="345175" y="1089300"/>
-            <a:ext cx="4619700" cy="3224400"/>
-          </a:xfrm>
-          <a:prstGeom prst="rect">
-            <a:avLst/>
-          </a:prstGeom>
-        </p:spPr>
-        <p:txBody>
-          <a:bodyPr anchorCtr="0" anchor="t" bIns="91425" lIns="91425" spcFirstLastPara="1" rIns="91425" wrap="square" tIns="91425">
-            <a:noAutofit/>
-          </a:bodyPr>
-          <a:lstStyle/>
-          <a:p>
-            <a:pPr indent="-317500" lvl="0" marL="457200" rtl="0">
-              <a:spcBef>
-                <a:spcPts val="300"/>
-              </a:spcBef>
-              <a:spcAft>
-                <a:spcPts val="0"/>
-              </a:spcAft>
-              <a:buClr>
-                <a:srgbClr val="222222"/>
-              </a:buClr>
-              <a:buSzPts val="1400"/>
-              <a:buFont typeface="Economica"/>
-              <a:buAutoNum type="arabicPeriod"/>
-            </a:pPr>
-            <a:r>
-              <a:rPr lang="ro" sz="1400">
-                <a:solidFill>
-                  <a:srgbClr val="222222"/>
-                </a:solidFill>
-                <a:latin typeface="Economica"/>
-                <a:ea typeface="Economica"/>
-                <a:cs typeface="Economica"/>
-                <a:sym typeface="Economica"/>
-              </a:rPr>
-              <a:t>Any live cell with fewer than two live neighbours dies, as if caused by underpopulation.</a:t>
-            </a:r>
-            <a:endParaRPr sz="1400">
-              <a:solidFill>
-                <a:srgbClr val="222222"/>
-              </a:solidFill>
-              <a:latin typeface="Economica"/>
-              <a:ea typeface="Economica"/>
-              <a:cs typeface="Economica"/>
-              <a:sym typeface="Economica"/>
-            </a:endParaRPr>
-          </a:p>
-          <a:p>
-            <a:pPr indent="0" lvl="0" marL="0" rtl="0">
-              <a:spcBef>
-                <a:spcPts val="300"/>
-              </a:spcBef>
-              <a:spcAft>
-                <a:spcPts val="0"/>
-              </a:spcAft>
-              <a:buNone/>
-            </a:pPr>
-            <a:r>
-              <a:t/>
-            </a:r>
-            <a:endParaRPr sz="1400">
-              <a:solidFill>
-                <a:srgbClr val="222222"/>
-              </a:solidFill>
-              <a:latin typeface="Economica"/>
-              <a:ea typeface="Economica"/>
-              <a:cs typeface="Economica"/>
-              <a:sym typeface="Economica"/>
-            </a:endParaRPr>
-          </a:p>
-          <a:p>
-            <a:pPr indent="-317500" lvl="0" marL="457200" rtl="0">
-              <a:spcBef>
-                <a:spcPts val="300"/>
-              </a:spcBef>
-              <a:spcAft>
-                <a:spcPts val="0"/>
-              </a:spcAft>
-              <a:buClr>
-                <a:srgbClr val="222222"/>
-              </a:buClr>
-              <a:buSzPts val="1400"/>
-              <a:buFont typeface="Economica"/>
-              <a:buAutoNum type="arabicPeriod"/>
-            </a:pPr>
-            <a:r>
-              <a:rPr lang="ro" sz="1400">
-                <a:solidFill>
-                  <a:srgbClr val="222222"/>
-                </a:solidFill>
-                <a:latin typeface="Economica"/>
-                <a:ea typeface="Economica"/>
-                <a:cs typeface="Economica"/>
-                <a:sym typeface="Economica"/>
-              </a:rPr>
-              <a:t>Any live cell with two or three live neighbours lives on to the next generation.</a:t>
-            </a:r>
-            <a:endParaRPr sz="1400">
-              <a:solidFill>
-                <a:srgbClr val="222222"/>
-              </a:solidFill>
-              <a:latin typeface="Economica"/>
-              <a:ea typeface="Economica"/>
-              <a:cs typeface="Economica"/>
-              <a:sym typeface="Economica"/>
-            </a:endParaRPr>
-          </a:p>
-          <a:p>
-            <a:pPr indent="0" lvl="0" marL="0" rtl="0">
-              <a:spcBef>
-                <a:spcPts val="300"/>
-              </a:spcBef>
-              <a:spcAft>
-                <a:spcPts val="0"/>
-              </a:spcAft>
-              <a:buNone/>
-            </a:pPr>
-            <a:r>
-              <a:t/>
-            </a:r>
-            <a:endParaRPr sz="1400">
-              <a:solidFill>
-                <a:srgbClr val="222222"/>
-              </a:solidFill>
-              <a:latin typeface="Economica"/>
-              <a:ea typeface="Economica"/>
-              <a:cs typeface="Economica"/>
-              <a:sym typeface="Economica"/>
-            </a:endParaRPr>
-          </a:p>
-          <a:p>
-            <a:pPr indent="-317500" lvl="0" marL="457200" rtl="0">
-              <a:spcBef>
-                <a:spcPts val="300"/>
-              </a:spcBef>
-              <a:spcAft>
-                <a:spcPts val="0"/>
-              </a:spcAft>
-              <a:buClr>
-                <a:srgbClr val="222222"/>
-              </a:buClr>
-              <a:buSzPts val="1400"/>
-              <a:buFont typeface="Economica"/>
-              <a:buAutoNum type="arabicPeriod"/>
-            </a:pPr>
-            <a:r>
-              <a:rPr lang="ro" sz="1400">
-                <a:solidFill>
-                  <a:srgbClr val="222222"/>
-                </a:solidFill>
-                <a:latin typeface="Economica"/>
-                <a:ea typeface="Economica"/>
-                <a:cs typeface="Economica"/>
-                <a:sym typeface="Economica"/>
-              </a:rPr>
-              <a:t>Any live cell with more than three live neighbours dies, as if by overpopulation.</a:t>
-            </a:r>
-            <a:endParaRPr sz="1400">
-              <a:solidFill>
-                <a:srgbClr val="222222"/>
-              </a:solidFill>
-              <a:latin typeface="Economica"/>
-              <a:ea typeface="Economica"/>
-              <a:cs typeface="Economica"/>
-              <a:sym typeface="Economica"/>
-            </a:endParaRPr>
-          </a:p>
-          <a:p>
-            <a:pPr indent="0" lvl="0" marL="0" rtl="0">
-              <a:spcBef>
-                <a:spcPts val="300"/>
-              </a:spcBef>
-              <a:spcAft>
-                <a:spcPts val="0"/>
-              </a:spcAft>
-              <a:buNone/>
-            </a:pPr>
-            <a:r>
-              <a:t/>
-            </a:r>
-            <a:endParaRPr sz="1400">
-              <a:solidFill>
-                <a:srgbClr val="222222"/>
-              </a:solidFill>
-              <a:latin typeface="Economica"/>
-              <a:ea typeface="Economica"/>
-              <a:cs typeface="Economica"/>
-              <a:sym typeface="Economica"/>
-            </a:endParaRPr>
-          </a:p>
-          <a:p>
-            <a:pPr indent="-317500" lvl="0" marL="457200" rtl="0">
-              <a:spcBef>
-                <a:spcPts val="300"/>
-              </a:spcBef>
-              <a:spcAft>
-                <a:spcPts val="0"/>
-              </a:spcAft>
-              <a:buClr>
-                <a:srgbClr val="222222"/>
-              </a:buClr>
-              <a:buSzPts val="1400"/>
-              <a:buFont typeface="Economica"/>
-              <a:buAutoNum type="arabicPeriod"/>
-            </a:pPr>
-            <a:r>
-              <a:rPr lang="ro" sz="1400">
-                <a:solidFill>
-                  <a:srgbClr val="222222"/>
-                </a:solidFill>
-                <a:latin typeface="Economica"/>
-                <a:ea typeface="Economica"/>
-                <a:cs typeface="Economica"/>
-                <a:sym typeface="Economica"/>
-              </a:rPr>
-              <a:t>Any dead cell with exactly three live neighbours becomes a live cell, as if by reproduction.</a:t>
-            </a:r>
-            <a:endParaRPr sz="1400">
-              <a:solidFill>
-                <a:srgbClr val="222222"/>
-              </a:solidFill>
-              <a:latin typeface="Economica"/>
-              <a:ea typeface="Economica"/>
-              <a:cs typeface="Economica"/>
-              <a:sym typeface="Economica"/>
-            </a:endParaRPr>
-          </a:p>
-          <a:p>
-            <a:pPr indent="0" lvl="0" marL="0">
-              <a:spcBef>
-                <a:spcPts val="100"/>
-              </a:spcBef>
-              <a:spcAft>
-                <a:spcPts val="1600"/>
-              </a:spcAft>
-              <a:buNone/>
-            </a:pPr>
-            <a:r>
-              <a:t/>
-            </a:r>
-            <a:endParaRPr/>
-          </a:p>
-        </p:txBody>
-      </p:sp>
-      <p:pic>
-        <p:nvPicPr>
-          <p:cNvPr id="80" name="Shape 80"/>
-          <p:cNvPicPr preferRelativeResize="0"/>
-          <p:nvPr/>
-        </p:nvPicPr>
-        <p:blipFill>
-          <a:blip r:embed="rId3">
-            <a:alphaModFix/>
-          </a:blip>
-          <a:stretch>
-            <a:fillRect/>
-          </a:stretch>
-        </p:blipFill>
-        <p:spPr>
-          <a:xfrm>
-            <a:off x="6258450" y="2875425"/>
-            <a:ext cx="1447800" cy="1438275"/>
-          </a:xfrm>
-          <a:prstGeom prst="rect">
-            <a:avLst/>
-          </a:prstGeom>
-          <a:noFill/>
-          <a:ln>
-            <a:noFill/>
-          </a:ln>
-        </p:spPr>
-      </p:pic>
-      <p:pic>
-        <p:nvPicPr>
-          <p:cNvPr id="81" name="Shape 81"/>
-          <p:cNvPicPr preferRelativeResize="0"/>
-          <p:nvPr/>
-        </p:nvPicPr>
-        <p:blipFill>
-          <a:blip r:embed="rId4">
-            <a:alphaModFix/>
-          </a:blip>
-          <a:stretch>
-            <a:fillRect/>
-          </a:stretch>
-        </p:blipFill>
-        <p:spPr>
-          <a:xfrm>
-            <a:off x="6258450" y="1089300"/>
-            <a:ext cx="1447800" cy="1438275"/>
-          </a:xfrm>
-          <a:prstGeom prst="rect">
-            <a:avLst/>
-          </a:prstGeom>
-          <a:noFill/>
-          <a:ln>
-            <a:noFill/>
-          </a:ln>
-        </p:spPr>
-      </p:pic>
-    </p:spTree>
-  </p:cSld>
-  <p:clrMapOvr>
-    <a:masterClrMapping/>
-  </p:clrMapOvr>
-</p:sld>
-</file>
-
-<file path=ppt/slides/slide5.xml><?xml version="1.0" encoding="utf-8"?>
-<p:sld xmlns:a="http://schemas.openxmlformats.org/drawingml/2006/main" xmlns:r="http://schemas.openxmlformats.org/officeDocument/2006/relationships" xmlns:mc="http://schemas.openxmlformats.org/markup-compatibility/2006" xmlns:mv="urn:schemas-microsoft-com:mac:vml" xmlns:p="http://schemas.openxmlformats.org/presentationml/2006/main" xmlns:c="http://schemas.openxmlformats.org/drawingml/2006/chart" xmlns:dgm="http://schemas.openxmlformats.org/drawingml/2006/diagram" xmlns:o="urn:schemas-microsoft-com:office:office" xmlns:v="urn:schemas-microsoft-com:vml" xmlns:pvml="urn:schemas-microsoft-com:office:powerpoint" xmlns:com="http://schemas.openxmlformats.org/drawingml/2006/compatibility" xmlns:p14="http://schemas.microsoft.com/office/powerpoint/2010/main" xmlns:p15="http://schemas.microsoft.com/office/powerpoint/2012/main">
-  <p:cSld>
-    <p:spTree>
-      <p:nvGrpSpPr>
-        <p:cNvPr id="85" name="Shape 85"/>
-        <p:cNvGrpSpPr/>
-        <p:nvPr/>
-      </p:nvGrpSpPr>
-      <p:grpSpPr>
-        <a:xfrm>
-          <a:off x="0" y="0"/>
-          <a:ext cx="0" cy="0"/>
-          <a:chOff x="0" y="0"/>
-          <a:chExt cx="0" cy="0"/>
-        </a:xfrm>
-      </p:grpSpPr>
-      <p:pic>
-        <p:nvPicPr>
-          <p:cNvPr id="86" name="Shape 86"/>
-          <p:cNvPicPr preferRelativeResize="0"/>
-          <p:nvPr/>
-        </p:nvPicPr>
-        <p:blipFill>
-          <a:blip r:embed="rId3">
-            <a:alphaModFix/>
-          </a:blip>
-          <a:stretch>
-            <a:fillRect/>
-          </a:stretch>
-        </p:blipFill>
-        <p:spPr>
-          <a:xfrm>
-            <a:off x="3289962" y="1718000"/>
-            <a:ext cx="2564075" cy="1707500"/>
-          </a:xfrm>
-          <a:prstGeom prst="rect">
-            <a:avLst/>
-          </a:prstGeom>
-          <a:noFill/>
-          <a:ln>
-            <a:noFill/>
-          </a:ln>
-        </p:spPr>
-      </p:pic>
-      <p:sp>
-        <p:nvSpPr>
-          <p:cNvPr id="87" name="Shape 87"/>
+          <p:cNvPr id="88" name="Shape 88"/>
           <p:cNvSpPr txBox="1"/>
           <p:nvPr/>
         </p:nvSpPr>
@@ -8210,7 +10248,7 @@
                 <a:cs typeface="Economica"/>
                 <a:sym typeface="Economica"/>
               </a:rPr>
-              <a:t>Glider</a:t>
+              <a:t>What is a Cellular Automata?</a:t>
             </a:r>
             <a:endParaRPr sz="2400">
               <a:latin typeface="Economica"/>
@@ -8234,7 +10272,7 @@
   <p:cSld>
     <p:spTree>
       <p:nvGrpSpPr>
-        <p:cNvPr id="91" name="Shape 91"/>
+        <p:cNvPr id="92" name="Shape 92"/>
         <p:cNvGrpSpPr/>
         <p:nvPr/>
       </p:nvGrpSpPr>
@@ -8248,7 +10286,7 @@
       </p:grpSpPr>
       <p:pic>
         <p:nvPicPr>
-          <p:cNvPr id="92" name="Shape 92"/>
+          <p:cNvPr id="93" name="Shape 93"/>
           <p:cNvPicPr preferRelativeResize="0"/>
           <p:nvPr/>
         </p:nvPicPr>
@@ -8262,8 +10300,8 @@
         </p:blipFill>
         <p:spPr>
           <a:xfrm>
-            <a:off x="2904250" y="1461150"/>
-            <a:ext cx="3335500" cy="2221200"/>
+            <a:off x="3522475" y="1525700"/>
+            <a:ext cx="2099050" cy="2092100"/>
           </a:xfrm>
           <a:prstGeom prst="rect">
             <a:avLst/>
@@ -8274,58 +10312,6 @@
           </a:ln>
         </p:spPr>
       </p:pic>
-      <p:sp>
-        <p:nvSpPr>
-          <p:cNvPr id="93" name="Shape 93"/>
-          <p:cNvSpPr txBox="1"/>
-          <p:nvPr/>
-        </p:nvSpPr>
-        <p:spPr>
-          <a:xfrm>
-            <a:off x="2224350" y="684725"/>
-            <a:ext cx="4695300" cy="547800"/>
-          </a:xfrm>
-          <a:prstGeom prst="rect">
-            <a:avLst/>
-          </a:prstGeom>
-          <a:noFill/>
-          <a:ln>
-            <a:noFill/>
-          </a:ln>
-        </p:spPr>
-        <p:txBody>
-          <a:bodyPr anchorCtr="0" anchor="t" bIns="91425" lIns="91425" spcFirstLastPara="1" rIns="91425" wrap="square" tIns="91425">
-            <a:noAutofit/>
-          </a:bodyPr>
-          <a:lstStyle/>
-          <a:p>
-            <a:pPr indent="0" lvl="0" marL="0" algn="ctr">
-              <a:spcBef>
-                <a:spcPts val="0"/>
-              </a:spcBef>
-              <a:spcAft>
-                <a:spcPts val="0"/>
-              </a:spcAft>
-              <a:buNone/>
-            </a:pPr>
-            <a:r>
-              <a:rPr lang="ro" sz="2400">
-                <a:latin typeface="Economica"/>
-                <a:ea typeface="Economica"/>
-                <a:cs typeface="Economica"/>
-                <a:sym typeface="Economica"/>
-              </a:rPr>
-              <a:t>How do we deal with competitive evolution?</a:t>
-            </a:r>
-            <a:endParaRPr sz="2400">
-              <a:latin typeface="Economica"/>
-              <a:ea typeface="Economica"/>
-              <a:cs typeface="Economica"/>
-              <a:sym typeface="Economica"/>
-            </a:endParaRPr>
-          </a:p>
-        </p:txBody>
-      </p:sp>
     </p:spTree>
   </p:cSld>
   <p:clrMapOvr>
@@ -8367,8 +10353,8 @@
         </p:blipFill>
         <p:spPr>
           <a:xfrm>
-            <a:off x="5181775" y="1276350"/>
-            <a:ext cx="2590800" cy="2590800"/>
+            <a:off x="3562350" y="1562100"/>
+            <a:ext cx="2019300" cy="2019300"/>
           </a:xfrm>
           <a:prstGeom prst="rect">
             <a:avLst/>
@@ -8379,9 +10365,289 @@
           </a:ln>
         </p:spPr>
       </p:pic>
+    </p:spTree>
+  </p:cSld>
+  <p:clrMapOvr>
+    <a:masterClrMapping/>
+  </p:clrMapOvr>
+</p:sld>
+</file>
+
+<file path=ppt/slides/slide8.xml><?xml version="1.0" encoding="utf-8"?>
+<p:sld xmlns:a="http://schemas.openxmlformats.org/drawingml/2006/main" xmlns:r="http://schemas.openxmlformats.org/officeDocument/2006/relationships" xmlns:mc="http://schemas.openxmlformats.org/markup-compatibility/2006" xmlns:mv="urn:schemas-microsoft-com:mac:vml" xmlns:p="http://schemas.openxmlformats.org/presentationml/2006/main" xmlns:c="http://schemas.openxmlformats.org/drawingml/2006/chart" xmlns:dgm="http://schemas.openxmlformats.org/drawingml/2006/diagram" xmlns:o="urn:schemas-microsoft-com:office:office" xmlns:v="urn:schemas-microsoft-com:vml" xmlns:pvml="urn:schemas-microsoft-com:office:powerpoint" xmlns:com="http://schemas.openxmlformats.org/drawingml/2006/compatibility" xmlns:p14="http://schemas.microsoft.com/office/powerpoint/2010/main" xmlns:p15="http://schemas.microsoft.com/office/powerpoint/2012/main">
+  <p:cSld>
+    <p:spTree>
+      <p:nvGrpSpPr>
+        <p:cNvPr id="102" name="Shape 102"/>
+        <p:cNvGrpSpPr/>
+        <p:nvPr/>
+      </p:nvGrpSpPr>
+      <p:grpSpPr>
+        <a:xfrm>
+          <a:off x="0" y="0"/>
+          <a:ext cx="0" cy="0"/>
+          <a:chOff x="0" y="0"/>
+          <a:chExt cx="0" cy="0"/>
+        </a:xfrm>
+      </p:grpSpPr>
+      <p:sp>
+        <p:nvSpPr>
+          <p:cNvPr id="103" name="Shape 103"/>
+          <p:cNvSpPr txBox="1"/>
+          <p:nvPr>
+            <p:ph type="title"/>
+          </p:nvPr>
+        </p:nvSpPr>
+        <p:spPr>
+          <a:xfrm>
+            <a:off x="751000" y="333600"/>
+            <a:ext cx="2808000" cy="755700"/>
+          </a:xfrm>
+          <a:prstGeom prst="rect">
+            <a:avLst/>
+          </a:prstGeom>
+        </p:spPr>
+        <p:txBody>
+          <a:bodyPr anchorCtr="0" anchor="b" bIns="91425" lIns="91425" spcFirstLastPara="1" rIns="91425" wrap="square" tIns="91425">
+            <a:noAutofit/>
+          </a:bodyPr>
+          <a:lstStyle/>
+          <a:p>
+            <a:pPr indent="0" lvl="0" marL="0">
+              <a:spcBef>
+                <a:spcPts val="0"/>
+              </a:spcBef>
+              <a:spcAft>
+                <a:spcPts val="0"/>
+              </a:spcAft>
+              <a:buNone/>
+            </a:pPr>
+            <a:r>
+              <a:rPr lang="ro" sz="2400"/>
+              <a:t>Game of Life transitions</a:t>
+            </a:r>
+            <a:endParaRPr sz="2400"/>
+          </a:p>
+        </p:txBody>
+      </p:sp>
+      <p:sp>
+        <p:nvSpPr>
+          <p:cNvPr id="104" name="Shape 104"/>
+          <p:cNvSpPr txBox="1"/>
+          <p:nvPr>
+            <p:ph idx="1" type="body"/>
+          </p:nvPr>
+        </p:nvSpPr>
+        <p:spPr>
+          <a:xfrm>
+            <a:off x="345175" y="1089300"/>
+            <a:ext cx="3629100" cy="3224400"/>
+          </a:xfrm>
+          <a:prstGeom prst="rect">
+            <a:avLst/>
+          </a:prstGeom>
+        </p:spPr>
+        <p:txBody>
+          <a:bodyPr anchorCtr="0" anchor="t" bIns="378000" lIns="54000" spcFirstLastPara="1" rIns="91425" wrap="square" tIns="91425">
+            <a:noAutofit/>
+          </a:bodyPr>
+          <a:lstStyle/>
+          <a:p>
+            <a:pPr indent="-319300" lvl="0" marL="460800" rtl="0">
+              <a:spcBef>
+                <a:spcPts val="300"/>
+              </a:spcBef>
+              <a:spcAft>
+                <a:spcPts val="0"/>
+              </a:spcAft>
+              <a:buClr>
+                <a:srgbClr val="222222"/>
+              </a:buClr>
+              <a:buSzPts val="1400"/>
+              <a:buFont typeface="Economica"/>
+              <a:buAutoNum type="arabicPeriod"/>
+            </a:pPr>
+            <a:r>
+              <a:rPr lang="ro" sz="1400">
+                <a:solidFill>
+                  <a:srgbClr val="222222"/>
+                </a:solidFill>
+                <a:latin typeface="Economica"/>
+                <a:ea typeface="Economica"/>
+                <a:cs typeface="Economica"/>
+                <a:sym typeface="Economica"/>
+              </a:rPr>
+              <a:t>Any live cell with fewer than two live neighbours dies, as if caused by underpopulation.</a:t>
+            </a:r>
+            <a:endParaRPr sz="1400">
+              <a:solidFill>
+                <a:srgbClr val="222222"/>
+              </a:solidFill>
+              <a:latin typeface="Economica"/>
+              <a:ea typeface="Economica"/>
+              <a:cs typeface="Economica"/>
+              <a:sym typeface="Economica"/>
+            </a:endParaRPr>
+          </a:p>
+          <a:p>
+            <a:pPr indent="-317500" lvl="0" marL="457200" rtl="0">
+              <a:spcBef>
+                <a:spcPts val="1000"/>
+              </a:spcBef>
+              <a:spcAft>
+                <a:spcPts val="0"/>
+              </a:spcAft>
+              <a:buClr>
+                <a:srgbClr val="222222"/>
+              </a:buClr>
+              <a:buSzPts val="1400"/>
+              <a:buFont typeface="Economica"/>
+              <a:buAutoNum type="arabicPeriod"/>
+            </a:pPr>
+            <a:r>
+              <a:rPr lang="ro" sz="1400">
+                <a:solidFill>
+                  <a:srgbClr val="222222"/>
+                </a:solidFill>
+                <a:latin typeface="Economica"/>
+                <a:ea typeface="Economica"/>
+                <a:cs typeface="Economica"/>
+                <a:sym typeface="Economica"/>
+              </a:rPr>
+              <a:t>Any live cell with two or three live neighbours lives on to the next generation.</a:t>
+            </a:r>
+            <a:endParaRPr sz="1400">
+              <a:solidFill>
+                <a:srgbClr val="222222"/>
+              </a:solidFill>
+              <a:latin typeface="Economica"/>
+              <a:ea typeface="Economica"/>
+              <a:cs typeface="Economica"/>
+              <a:sym typeface="Economica"/>
+            </a:endParaRPr>
+          </a:p>
+          <a:p>
+            <a:pPr indent="-317500" lvl="0" marL="457200" rtl="0">
+              <a:spcBef>
+                <a:spcPts val="1000"/>
+              </a:spcBef>
+              <a:spcAft>
+                <a:spcPts val="0"/>
+              </a:spcAft>
+              <a:buClr>
+                <a:srgbClr val="222222"/>
+              </a:buClr>
+              <a:buSzPts val="1400"/>
+              <a:buFont typeface="Economica"/>
+              <a:buAutoNum type="arabicPeriod"/>
+            </a:pPr>
+            <a:r>
+              <a:rPr lang="ro" sz="1400">
+                <a:solidFill>
+                  <a:srgbClr val="222222"/>
+                </a:solidFill>
+                <a:latin typeface="Economica"/>
+                <a:ea typeface="Economica"/>
+                <a:cs typeface="Economica"/>
+                <a:sym typeface="Economica"/>
+              </a:rPr>
+              <a:t>Any live cell with more than three live neighbours dies, as if by overpopulation.</a:t>
+            </a:r>
+            <a:endParaRPr sz="1400">
+              <a:solidFill>
+                <a:srgbClr val="222222"/>
+              </a:solidFill>
+              <a:latin typeface="Economica"/>
+              <a:ea typeface="Economica"/>
+              <a:cs typeface="Economica"/>
+              <a:sym typeface="Economica"/>
+            </a:endParaRPr>
+          </a:p>
+          <a:p>
+            <a:pPr indent="-317500" lvl="0" marL="457200" rtl="0">
+              <a:spcBef>
+                <a:spcPts val="1000"/>
+              </a:spcBef>
+              <a:spcAft>
+                <a:spcPts val="0"/>
+              </a:spcAft>
+              <a:buClr>
+                <a:srgbClr val="222222"/>
+              </a:buClr>
+              <a:buSzPts val="1400"/>
+              <a:buFont typeface="Economica"/>
+              <a:buAutoNum type="arabicPeriod"/>
+            </a:pPr>
+            <a:r>
+              <a:rPr lang="ro" sz="1400">
+                <a:solidFill>
+                  <a:srgbClr val="222222"/>
+                </a:solidFill>
+                <a:latin typeface="Economica"/>
+                <a:ea typeface="Economica"/>
+                <a:cs typeface="Economica"/>
+                <a:sym typeface="Economica"/>
+              </a:rPr>
+              <a:t>Any dead cell with exactly three live neighbours becomes a live cell, as if by reproduction.</a:t>
+            </a:r>
+            <a:endParaRPr sz="1400">
+              <a:solidFill>
+                <a:srgbClr val="222222"/>
+              </a:solidFill>
+              <a:latin typeface="Economica"/>
+              <a:ea typeface="Economica"/>
+              <a:cs typeface="Economica"/>
+              <a:sym typeface="Economica"/>
+            </a:endParaRPr>
+          </a:p>
+          <a:p>
+            <a:pPr indent="0" lvl="0" marL="0">
+              <a:spcBef>
+                <a:spcPts val="100"/>
+              </a:spcBef>
+              <a:spcAft>
+                <a:spcPts val="1600"/>
+              </a:spcAft>
+              <a:buNone/>
+            </a:pPr>
+            <a:r>
+              <a:t/>
+            </a:r>
+            <a:endParaRPr/>
+          </a:p>
+        </p:txBody>
+      </p:sp>
       <p:pic>
         <p:nvPicPr>
-          <p:cNvPr id="99" name="Shape 99"/>
+          <p:cNvPr id="105" name="Shape 105"/>
+          <p:cNvPicPr preferRelativeResize="0"/>
+          <p:nvPr/>
+        </p:nvPicPr>
+        <p:blipFill>
+          <a:blip r:embed="rId3">
+            <a:alphaModFix/>
+          </a:blip>
+          <a:stretch>
+            <a:fillRect/>
+          </a:stretch>
+        </p:blipFill>
+        <p:spPr>
+          <a:xfrm>
+            <a:off x="6258450" y="2875425"/>
+            <a:ext cx="1447800" cy="1438275"/>
+          </a:xfrm>
+          <a:prstGeom prst="rect">
+            <a:avLst/>
+          </a:prstGeom>
+          <a:noFill/>
+          <a:ln>
+            <a:noFill/>
+          </a:ln>
+        </p:spPr>
+      </p:pic>
+      <p:pic>
+        <p:nvPicPr>
+          <p:cNvPr id="106" name="Shape 106"/>
           <p:cNvPicPr preferRelativeResize="0"/>
           <p:nvPr/>
         </p:nvPicPr>
@@ -8395,8 +10661,8 @@
         </p:blipFill>
         <p:spPr>
           <a:xfrm>
-            <a:off x="1448450" y="1276350"/>
-            <a:ext cx="2590800" cy="2590800"/>
+            <a:off x="6258450" y="1089300"/>
+            <a:ext cx="1447800" cy="1438275"/>
           </a:xfrm>
           <a:prstGeom prst="rect">
             <a:avLst/>
@@ -8407,16 +10673,69 @@
           </a:ln>
         </p:spPr>
       </p:pic>
+    </p:spTree>
+  </p:cSld>
+  <p:clrMapOvr>
+    <a:masterClrMapping/>
+  </p:clrMapOvr>
+</p:sld>
+</file>
+
+<file path=ppt/slides/slide9.xml><?xml version="1.0" encoding="utf-8"?>
+<p:sld xmlns:a="http://schemas.openxmlformats.org/drawingml/2006/main" xmlns:r="http://schemas.openxmlformats.org/officeDocument/2006/relationships" xmlns:mc="http://schemas.openxmlformats.org/markup-compatibility/2006" xmlns:mv="urn:schemas-microsoft-com:mac:vml" xmlns:p="http://schemas.openxmlformats.org/presentationml/2006/main" xmlns:c="http://schemas.openxmlformats.org/drawingml/2006/chart" xmlns:dgm="http://schemas.openxmlformats.org/drawingml/2006/diagram" xmlns:o="urn:schemas-microsoft-com:office:office" xmlns:v="urn:schemas-microsoft-com:vml" xmlns:pvml="urn:schemas-microsoft-com:office:powerpoint" xmlns:com="http://schemas.openxmlformats.org/drawingml/2006/compatibility" xmlns:p14="http://schemas.microsoft.com/office/powerpoint/2010/main" xmlns:p15="http://schemas.microsoft.com/office/powerpoint/2012/main">
+  <p:cSld>
+    <p:spTree>
+      <p:nvGrpSpPr>
+        <p:cNvPr id="110" name="Shape 110"/>
+        <p:cNvGrpSpPr/>
+        <p:nvPr/>
+      </p:nvGrpSpPr>
+      <p:grpSpPr>
+        <a:xfrm>
+          <a:off x="0" y="0"/>
+          <a:ext cx="0" cy="0"/>
+          <a:chOff x="0" y="0"/>
+          <a:chExt cx="0" cy="0"/>
+        </a:xfrm>
+      </p:grpSpPr>
+      <p:pic>
+        <p:nvPicPr>
+          <p:cNvPr id="111" name="Shape 111"/>
+          <p:cNvPicPr preferRelativeResize="0"/>
+          <p:nvPr/>
+        </p:nvPicPr>
+        <p:blipFill>
+          <a:blip r:embed="rId3">
+            <a:alphaModFix/>
+          </a:blip>
+          <a:stretch>
+            <a:fillRect/>
+          </a:stretch>
+        </p:blipFill>
+        <p:spPr>
+          <a:xfrm>
+            <a:off x="2904250" y="1461150"/>
+            <a:ext cx="3335500" cy="2221200"/>
+          </a:xfrm>
+          <a:prstGeom prst="rect">
+            <a:avLst/>
+          </a:prstGeom>
+          <a:noFill/>
+          <a:ln>
+            <a:noFill/>
+          </a:ln>
+        </p:spPr>
+      </p:pic>
       <p:sp>
         <p:nvSpPr>
-          <p:cNvPr id="100" name="Shape 100"/>
+          <p:cNvPr id="112" name="Shape 112"/>
           <p:cNvSpPr txBox="1"/>
           <p:nvPr/>
         </p:nvSpPr>
         <p:spPr>
-          <a:xfrm flipH="1">
-            <a:off x="2648250" y="342350"/>
-            <a:ext cx="3847500" cy="668400"/>
+          <a:xfrm>
+            <a:off x="2224350" y="684725"/>
+            <a:ext cx="4695300" cy="547800"/>
           </a:xfrm>
           <a:prstGeom prst="rect">
             <a:avLst/>
@@ -8448,7 +10767,7 @@
                 <a:cs typeface="Economica"/>
                 <a:sym typeface="Economica"/>
               </a:rPr>
-              <a:t>Basic conflict</a:t>
+              <a:t>How do we deal with competitive evolution?</a:t>
             </a:r>
             <a:endParaRPr sz="2400">
               <a:latin typeface="Economica"/>
@@ -8467,399 +10786,286 @@
 </p:sld>
 </file>
 
-<file path=ppt/slides/slide8.xml><?xml version="1.0" encoding="utf-8"?>
-<p:sld xmlns:a="http://schemas.openxmlformats.org/drawingml/2006/main" xmlns:r="http://schemas.openxmlformats.org/officeDocument/2006/relationships" xmlns:mc="http://schemas.openxmlformats.org/markup-compatibility/2006" xmlns:mv="urn:schemas-microsoft-com:mac:vml" xmlns:p="http://schemas.openxmlformats.org/presentationml/2006/main" xmlns:c="http://schemas.openxmlformats.org/drawingml/2006/chart" xmlns:dgm="http://schemas.openxmlformats.org/drawingml/2006/diagram" xmlns:o="urn:schemas-microsoft-com:office:office" xmlns:v="urn:schemas-microsoft-com:vml" xmlns:pvml="urn:schemas-microsoft-com:office:powerpoint" xmlns:com="http://schemas.openxmlformats.org/drawingml/2006/compatibility" xmlns:p14="http://schemas.microsoft.com/office/powerpoint/2010/main" xmlns:p15="http://schemas.microsoft.com/office/powerpoint/2012/main">
-  <p:cSld>
-    <p:spTree>
-      <p:nvGrpSpPr>
-        <p:cNvPr id="104" name="Shape 104"/>
-        <p:cNvGrpSpPr/>
-        <p:nvPr/>
-      </p:nvGrpSpPr>
-      <p:grpSpPr>
-        <a:xfrm>
-          <a:off x="0" y="0"/>
-          <a:ext cx="0" cy="0"/>
-          <a:chOff x="0" y="0"/>
-          <a:chExt cx="0" cy="0"/>
-        </a:xfrm>
-      </p:grpSpPr>
-      <p:sp>
-        <p:nvSpPr>
-          <p:cNvPr id="105" name="Shape 105"/>
-          <p:cNvSpPr txBox="1"/>
-          <p:nvPr/>
-        </p:nvSpPr>
-        <p:spPr>
-          <a:xfrm>
-            <a:off x="546150" y="1927350"/>
-            <a:ext cx="3121800" cy="1288800"/>
-          </a:xfrm>
-          <a:prstGeom prst="rect">
-            <a:avLst/>
-          </a:prstGeom>
-          <a:noFill/>
-          <a:ln>
-            <a:noFill/>
-          </a:ln>
-        </p:spPr>
-        <p:txBody>
-          <a:bodyPr anchorCtr="0" anchor="t" bIns="91425" lIns="91425" spcFirstLastPara="1" rIns="91425" wrap="square" tIns="91425">
-            <a:noAutofit/>
-          </a:bodyPr>
-          <a:lstStyle/>
-          <a:p>
-            <a:pPr indent="0" lvl="0" marL="0" algn="ctr">
-              <a:spcBef>
-                <a:spcPts val="0"/>
-              </a:spcBef>
-              <a:spcAft>
-                <a:spcPts val="0"/>
-              </a:spcAft>
-              <a:buNone/>
-            </a:pPr>
-            <a:r>
-              <a:rPr lang="ro" sz="2400">
-                <a:latin typeface="Economica"/>
-                <a:ea typeface="Economica"/>
-                <a:cs typeface="Economica"/>
-                <a:sym typeface="Economica"/>
-              </a:rPr>
-              <a:t>Game of Life</a:t>
-            </a:r>
-            <a:endParaRPr sz="2400">
-              <a:latin typeface="Economica"/>
-              <a:ea typeface="Economica"/>
-              <a:cs typeface="Economica"/>
-              <a:sym typeface="Economica"/>
-            </a:endParaRPr>
-          </a:p>
-          <a:p>
-            <a:pPr indent="0" lvl="0" marL="0" algn="ctr">
-              <a:spcBef>
-                <a:spcPts val="0"/>
-              </a:spcBef>
-              <a:spcAft>
-                <a:spcPts val="0"/>
-              </a:spcAft>
-              <a:buNone/>
-            </a:pPr>
-            <a:r>
-              <a:t/>
-            </a:r>
-            <a:endParaRPr sz="2400">
-              <a:latin typeface="Economica"/>
-              <a:ea typeface="Economica"/>
-              <a:cs typeface="Economica"/>
-              <a:sym typeface="Economica"/>
-            </a:endParaRPr>
-          </a:p>
-          <a:p>
-            <a:pPr indent="0" lvl="0" marL="0" algn="ctr">
-              <a:spcBef>
-                <a:spcPts val="0"/>
-              </a:spcBef>
-              <a:spcAft>
-                <a:spcPts val="0"/>
-              </a:spcAft>
-              <a:buNone/>
-            </a:pPr>
-            <a:r>
-              <a:rPr lang="ro" sz="2400">
-                <a:latin typeface="Economica"/>
-                <a:ea typeface="Economica"/>
-                <a:cs typeface="Economica"/>
-                <a:sym typeface="Economica"/>
-              </a:rPr>
-              <a:t>23/3</a:t>
-            </a:r>
-            <a:endParaRPr sz="2400">
-              <a:latin typeface="Economica"/>
-              <a:ea typeface="Economica"/>
-              <a:cs typeface="Economica"/>
-              <a:sym typeface="Economica"/>
-            </a:endParaRPr>
-          </a:p>
-        </p:txBody>
-      </p:sp>
-      <p:sp>
-        <p:nvSpPr>
-          <p:cNvPr id="106" name="Shape 106"/>
-          <p:cNvSpPr txBox="1"/>
-          <p:nvPr/>
-        </p:nvSpPr>
-        <p:spPr>
-          <a:xfrm>
-            <a:off x="5222550" y="1927350"/>
-            <a:ext cx="3121800" cy="1288800"/>
-          </a:xfrm>
-          <a:prstGeom prst="rect">
-            <a:avLst/>
-          </a:prstGeom>
-          <a:noFill/>
-          <a:ln>
-            <a:noFill/>
-          </a:ln>
-        </p:spPr>
-        <p:txBody>
-          <a:bodyPr anchorCtr="0" anchor="t" bIns="91425" lIns="91425" spcFirstLastPara="1" rIns="91425" wrap="square" tIns="91425">
-            <a:noAutofit/>
-          </a:bodyPr>
-          <a:lstStyle/>
-          <a:p>
-            <a:pPr indent="0" lvl="0" marL="0" rtl="0" algn="ctr">
-              <a:spcBef>
-                <a:spcPts val="0"/>
-              </a:spcBef>
-              <a:spcAft>
-                <a:spcPts val="0"/>
-              </a:spcAft>
-              <a:buNone/>
-            </a:pPr>
-            <a:r>
-              <a:rPr lang="ro" sz="2400">
-                <a:latin typeface="Economica"/>
-                <a:ea typeface="Economica"/>
-                <a:cs typeface="Economica"/>
-                <a:sym typeface="Economica"/>
-              </a:rPr>
-              <a:t>Coral</a:t>
-            </a:r>
-            <a:endParaRPr sz="2400">
-              <a:latin typeface="Economica"/>
-              <a:ea typeface="Economica"/>
-              <a:cs typeface="Economica"/>
-              <a:sym typeface="Economica"/>
-            </a:endParaRPr>
-          </a:p>
-          <a:p>
-            <a:pPr indent="0" lvl="0" marL="0" rtl="0" algn="ctr">
-              <a:spcBef>
-                <a:spcPts val="0"/>
-              </a:spcBef>
-              <a:spcAft>
-                <a:spcPts val="0"/>
-              </a:spcAft>
-              <a:buNone/>
-            </a:pPr>
-            <a:r>
-              <a:t/>
-            </a:r>
-            <a:endParaRPr sz="2400">
-              <a:latin typeface="Economica"/>
-              <a:ea typeface="Economica"/>
-              <a:cs typeface="Economica"/>
-              <a:sym typeface="Economica"/>
-            </a:endParaRPr>
-          </a:p>
-          <a:p>
-            <a:pPr indent="0" lvl="0" marL="0" rtl="0" algn="ctr">
-              <a:spcBef>
-                <a:spcPts val="0"/>
-              </a:spcBef>
-              <a:spcAft>
-                <a:spcPts val="0"/>
-              </a:spcAft>
-              <a:buNone/>
-            </a:pPr>
-            <a:r>
-              <a:rPr lang="ro" sz="2400">
-                <a:latin typeface="Economica"/>
-                <a:ea typeface="Economica"/>
-                <a:cs typeface="Economica"/>
-                <a:sym typeface="Economica"/>
-              </a:rPr>
-              <a:t>45678/3</a:t>
-            </a:r>
-            <a:endParaRPr sz="2400">
-              <a:latin typeface="Economica"/>
-              <a:ea typeface="Economica"/>
-              <a:cs typeface="Economica"/>
-              <a:sym typeface="Economica"/>
-            </a:endParaRPr>
-          </a:p>
-        </p:txBody>
-      </p:sp>
-      <p:sp>
-        <p:nvSpPr>
-          <p:cNvPr id="107" name="Shape 107"/>
-          <p:cNvSpPr txBox="1"/>
-          <p:nvPr/>
-        </p:nvSpPr>
-        <p:spPr>
-          <a:xfrm>
-            <a:off x="2224350" y="520875"/>
-            <a:ext cx="4695300" cy="1019700"/>
-          </a:xfrm>
-          <a:prstGeom prst="rect">
-            <a:avLst/>
-          </a:prstGeom>
-          <a:noFill/>
-          <a:ln>
-            <a:noFill/>
-          </a:ln>
-        </p:spPr>
-        <p:txBody>
-          <a:bodyPr anchorCtr="0" anchor="t" bIns="91425" lIns="91425" spcFirstLastPara="1" rIns="91425" wrap="square" tIns="91425">
-            <a:noAutofit/>
-          </a:bodyPr>
-          <a:lstStyle/>
-          <a:p>
-            <a:pPr indent="0" lvl="0" marL="0" algn="ctr">
-              <a:spcBef>
-                <a:spcPts val="0"/>
-              </a:spcBef>
-              <a:spcAft>
-                <a:spcPts val="0"/>
-              </a:spcAft>
-              <a:buNone/>
-            </a:pPr>
-            <a:r>
-              <a:rPr lang="ro" sz="3000">
-                <a:latin typeface="Economica"/>
-                <a:ea typeface="Economica"/>
-                <a:cs typeface="Economica"/>
-                <a:sym typeface="Economica"/>
-              </a:rPr>
-              <a:t>The S/B Notation</a:t>
-            </a:r>
-            <a:endParaRPr sz="3000">
-              <a:latin typeface="Economica"/>
-              <a:ea typeface="Economica"/>
-              <a:cs typeface="Economica"/>
-              <a:sym typeface="Economica"/>
-            </a:endParaRPr>
-          </a:p>
-          <a:p>
-            <a:pPr indent="0" lvl="0" marL="0" algn="ctr">
-              <a:spcBef>
-                <a:spcPts val="0"/>
-              </a:spcBef>
-              <a:spcAft>
-                <a:spcPts val="0"/>
-              </a:spcAft>
-              <a:buNone/>
-            </a:pPr>
-            <a:r>
-              <a:rPr lang="ro" sz="3000">
-                <a:latin typeface="Economica"/>
-                <a:ea typeface="Economica"/>
-                <a:cs typeface="Economica"/>
-                <a:sym typeface="Economica"/>
-              </a:rPr>
-              <a:t>(“Survival”/”Birth”)</a:t>
-            </a:r>
-            <a:endParaRPr sz="3000">
-              <a:latin typeface="Economica"/>
-              <a:ea typeface="Economica"/>
-              <a:cs typeface="Economica"/>
-              <a:sym typeface="Economica"/>
-            </a:endParaRPr>
-          </a:p>
-        </p:txBody>
-      </p:sp>
-    </p:spTree>
-  </p:cSld>
-  <p:clrMapOvr>
-    <a:masterClrMapping/>
-  </p:clrMapOvr>
-</p:sld>
+<file path=ppt/theme/theme1.xml><?xml version="1.0" encoding="utf-8"?>
+<a:theme xmlns:a="http://schemas.openxmlformats.org/drawingml/2006/main" xmlns:r="http://schemas.openxmlformats.org/officeDocument/2006/relationships" name="Luxe">
+  <a:themeElements>
+    <a:clrScheme name="Luxe">
+      <a:dk1>
+        <a:srgbClr val="000000"/>
+      </a:dk1>
+      <a:lt1>
+        <a:srgbClr val="FFFFFF"/>
+      </a:lt1>
+      <a:dk2>
+        <a:srgbClr val="B7B7B7"/>
+      </a:dk2>
+      <a:lt2>
+        <a:srgbClr val="CCA677"/>
+      </a:lt2>
+      <a:accent1>
+        <a:srgbClr val="5D4037"/>
+      </a:accent1>
+      <a:accent2>
+        <a:srgbClr val="455A64"/>
+      </a:accent2>
+      <a:accent3>
+        <a:srgbClr val="607D8B"/>
+      </a:accent3>
+      <a:accent4>
+        <a:srgbClr val="78909C"/>
+      </a:accent4>
+      <a:accent5>
+        <a:srgbClr val="57BB8A"/>
+      </a:accent5>
+      <a:accent6>
+        <a:srgbClr val="DCE755"/>
+      </a:accent6>
+      <a:hlink>
+        <a:srgbClr val="57BB8A"/>
+      </a:hlink>
+      <a:folHlink>
+        <a:srgbClr val="57BB8A"/>
+      </a:folHlink>
+    </a:clrScheme>
+    <a:fontScheme name="Office">
+      <a:majorFont>
+        <a:latin typeface="Arial"/>
+        <a:ea typeface=""/>
+        <a:cs typeface=""/>
+        <a:font script="Jpan" typeface="ＭＳ Ｐゴシック"/>
+        <a:font script="Hang" typeface="맑은 고딕"/>
+        <a:font script="Hans" typeface="宋体"/>
+        <a:font script="Hant" typeface="新細明體"/>
+        <a:font script="Arab" typeface="Times New Roman"/>
+        <a:font script="Hebr" typeface="Times New Roman"/>
+        <a:font script="Thai" typeface="Angsana New"/>
+        <a:font script="Ethi" typeface="Nyala"/>
+        <a:font script="Beng" typeface="Vrinda"/>
+        <a:font script="Gujr" typeface="Shruti"/>
+        <a:font script="Khmr" typeface="MoolBoran"/>
+        <a:font script="Knda" typeface="Tunga"/>
+        <a:font script="Guru" typeface="Raavi"/>
+        <a:font script="Cans" typeface="Euphemia"/>
+        <a:font script="Cher" typeface="Plantagenet Cherokee"/>
+        <a:font script="Yiii" typeface="Microsoft Yi Baiti"/>
+        <a:font script="Tibt" typeface="Microsoft Himalaya"/>
+        <a:font script="Thaa" typeface="MV Boli"/>
+        <a:font script="Deva" typeface="Mangal"/>
+        <a:font script="Telu" typeface="Gautami"/>
+        <a:font script="Taml" typeface="Latha"/>
+        <a:font script="Syrc" typeface="Estrangelo Edessa"/>
+        <a:font script="Orya" typeface="Kalinga"/>
+        <a:font script="Mlym" typeface="Kartika"/>
+        <a:font script="Laoo" typeface="DokChampa"/>
+        <a:font script="Sinh" typeface="Iskoola Pota"/>
+        <a:font script="Mong" typeface="Mongolian Baiti"/>
+        <a:font script="Viet" typeface="Times New Roman"/>
+        <a:font script="Uigh" typeface="Microsoft Uighur"/>
+        <a:font script="Geor" typeface="Sylfaen"/>
+      </a:majorFont>
+      <a:minorFont>
+        <a:latin typeface="Arial"/>
+        <a:ea typeface=""/>
+        <a:cs typeface=""/>
+        <a:font script="Jpan" typeface="ＭＳ Ｐゴシック"/>
+        <a:font script="Hang" typeface="맑은 고딕"/>
+        <a:font script="Hans" typeface="宋体"/>
+        <a:font script="Hant" typeface="新細明體"/>
+        <a:font script="Arab" typeface="Arial"/>
+        <a:font script="Hebr" typeface="Arial"/>
+        <a:font script="Thai" typeface="Cordia New"/>
+        <a:font script="Ethi" typeface="Nyala"/>
+        <a:font script="Beng" typeface="Vrinda"/>
+        <a:font script="Gujr" typeface="Shruti"/>
+        <a:font script="Khmr" typeface="DaunPenh"/>
+        <a:font script="Knda" typeface="Tunga"/>
+        <a:font script="Guru" typeface="Raavi"/>
+        <a:font script="Cans" typeface="Euphemia"/>
+        <a:font script="Cher" typeface="Plantagenet Cherokee"/>
+        <a:font script="Yiii" typeface="Microsoft Yi Baiti"/>
+        <a:font script="Tibt" typeface="Microsoft Himalaya"/>
+        <a:font script="Thaa" typeface="MV Boli"/>
+        <a:font script="Deva" typeface="Mangal"/>
+        <a:font script="Telu" typeface="Gautami"/>
+        <a:font script="Taml" typeface="Latha"/>
+        <a:font script="Syrc" typeface="Estrangelo Edessa"/>
+        <a:font script="Orya" typeface="Kalinga"/>
+        <a:font script="Mlym" typeface="Kartika"/>
+        <a:font script="Laoo" typeface="DokChampa"/>
+        <a:font script="Sinh" typeface="Iskoola Pota"/>
+        <a:font script="Mong" typeface="Mongolian Baiti"/>
+        <a:font script="Viet" typeface="Arial"/>
+        <a:font script="Uigh" typeface="Microsoft Uighur"/>
+        <a:font script="Geor" typeface="Sylfaen"/>
+      </a:minorFont>
+    </a:fontScheme>
+    <a:fmtScheme name="Office">
+      <a:fillStyleLst>
+        <a:solidFill>
+          <a:schemeClr val="phClr"/>
+        </a:solidFill>
+        <a:gradFill rotWithShape="1">
+          <a:gsLst>
+            <a:gs pos="0">
+              <a:schemeClr val="phClr">
+                <a:tint val="50000"/>
+                <a:satMod val="300000"/>
+              </a:schemeClr>
+            </a:gs>
+            <a:gs pos="35000">
+              <a:schemeClr val="phClr">
+                <a:tint val="37000"/>
+                <a:satMod val="300000"/>
+              </a:schemeClr>
+            </a:gs>
+            <a:gs pos="100000">
+              <a:schemeClr val="phClr">
+                <a:tint val="15000"/>
+                <a:satMod val="350000"/>
+              </a:schemeClr>
+            </a:gs>
+          </a:gsLst>
+          <a:lin ang="16200000" scaled="1"/>
+        </a:gradFill>
+        <a:gradFill rotWithShape="1">
+          <a:gsLst>
+            <a:gs pos="0">
+              <a:schemeClr val="phClr">
+                <a:tint val="100000"/>
+                <a:shade val="100000"/>
+                <a:satMod val="130000"/>
+              </a:schemeClr>
+            </a:gs>
+            <a:gs pos="100000">
+              <a:schemeClr val="phClr">
+                <a:tint val="50000"/>
+                <a:shade val="100000"/>
+                <a:satMod val="350000"/>
+              </a:schemeClr>
+            </a:gs>
+          </a:gsLst>
+          <a:lin ang="16200000" scaled="0"/>
+        </a:gradFill>
+      </a:fillStyleLst>
+      <a:lnStyleLst>
+        <a:ln w="9525" cap="flat" cmpd="sng" algn="ctr">
+          <a:solidFill>
+            <a:schemeClr val="phClr">
+              <a:shade val="95000"/>
+              <a:satMod val="105000"/>
+            </a:schemeClr>
+          </a:solidFill>
+          <a:prstDash val="solid"/>
+        </a:ln>
+        <a:ln w="25400" cap="flat" cmpd="sng" algn="ctr">
+          <a:solidFill>
+            <a:schemeClr val="phClr"/>
+          </a:solidFill>
+          <a:prstDash val="solid"/>
+        </a:ln>
+        <a:ln w="38100" cap="flat" cmpd="sng" algn="ctr">
+          <a:solidFill>
+            <a:schemeClr val="phClr"/>
+          </a:solidFill>
+          <a:prstDash val="solid"/>
+        </a:ln>
+      </a:lnStyleLst>
+      <a:effectStyleLst>
+        <a:effectStyle>
+          <a:effectLst>
+            <a:outerShdw blurRad="40000" dist="20000" dir="5400000" rotWithShape="0">
+              <a:srgbClr val="000000">
+                <a:alpha val="38000"/>
+              </a:srgbClr>
+            </a:outerShdw>
+          </a:effectLst>
+        </a:effectStyle>
+        <a:effectStyle>
+          <a:effectLst>
+            <a:outerShdw blurRad="40000" dist="23000" dir="5400000" rotWithShape="0">
+              <a:srgbClr val="000000">
+                <a:alpha val="35000"/>
+              </a:srgbClr>
+            </a:outerShdw>
+          </a:effectLst>
+        </a:effectStyle>
+        <a:effectStyle>
+          <a:effectLst>
+            <a:outerShdw blurRad="40000" dist="23000" dir="5400000" rotWithShape="0">
+              <a:srgbClr val="000000">
+                <a:alpha val="35000"/>
+              </a:srgbClr>
+            </a:outerShdw>
+          </a:effectLst>
+          <a:scene3d>
+            <a:camera prst="orthographicFront">
+              <a:rot lat="0" lon="0" rev="0"/>
+            </a:camera>
+            <a:lightRig rig="threePt" dir="t">
+              <a:rot lat="0" lon="0" rev="1200000"/>
+            </a:lightRig>
+          </a:scene3d>
+          <a:sp3d>
+            <a:bevelT w="63500" h="25400"/>
+          </a:sp3d>
+        </a:effectStyle>
+      </a:effectStyleLst>
+      <a:bgFillStyleLst>
+        <a:solidFill>
+          <a:schemeClr val="phClr"/>
+        </a:solidFill>
+        <a:gradFill rotWithShape="1">
+          <a:gsLst>
+            <a:gs pos="0">
+              <a:schemeClr val="phClr">
+                <a:tint val="40000"/>
+                <a:satMod val="350000"/>
+              </a:schemeClr>
+            </a:gs>
+            <a:gs pos="40000">
+              <a:schemeClr val="phClr">
+                <a:tint val="45000"/>
+                <a:shade val="99000"/>
+                <a:satMod val="350000"/>
+              </a:schemeClr>
+            </a:gs>
+            <a:gs pos="100000">
+              <a:schemeClr val="phClr">
+                <a:shade val="20000"/>
+                <a:satMod val="255000"/>
+              </a:schemeClr>
+            </a:gs>
+          </a:gsLst>
+          <a:path path="circle">
+            <a:fillToRect l="50000" t="-80000" r="50000" b="180000"/>
+          </a:path>
+        </a:gradFill>
+        <a:gradFill rotWithShape="1">
+          <a:gsLst>
+            <a:gs pos="0">
+              <a:schemeClr val="phClr">
+                <a:tint val="80000"/>
+                <a:satMod val="300000"/>
+              </a:schemeClr>
+            </a:gs>
+            <a:gs pos="100000">
+              <a:schemeClr val="phClr">
+                <a:shade val="30000"/>
+                <a:satMod val="200000"/>
+              </a:schemeClr>
+            </a:gs>
+          </a:gsLst>
+          <a:path path="circle">
+            <a:fillToRect l="50000" t="50000" r="50000" b="50000"/>
+          </a:path>
+        </a:gradFill>
+      </a:bgFillStyleLst>
+    </a:fmtScheme>
+  </a:themeElements>
+</a:theme>
 </file>
 
-<file path=ppt/slides/slide9.xml><?xml version="1.0" encoding="utf-8"?>
-<p:sld xmlns:a="http://schemas.openxmlformats.org/drawingml/2006/main" xmlns:r="http://schemas.openxmlformats.org/officeDocument/2006/relationships" xmlns:mc="http://schemas.openxmlformats.org/markup-compatibility/2006" xmlns:mv="urn:schemas-microsoft-com:mac:vml" xmlns:p="http://schemas.openxmlformats.org/presentationml/2006/main" xmlns:c="http://schemas.openxmlformats.org/drawingml/2006/chart" xmlns:dgm="http://schemas.openxmlformats.org/drawingml/2006/diagram" xmlns:o="urn:schemas-microsoft-com:office:office" xmlns:v="urn:schemas-microsoft-com:vml" xmlns:pvml="urn:schemas-microsoft-com:office:powerpoint" xmlns:com="http://schemas.openxmlformats.org/drawingml/2006/compatibility" xmlns:p14="http://schemas.microsoft.com/office/powerpoint/2010/main" xmlns:p15="http://schemas.microsoft.com/office/powerpoint/2012/main">
-  <p:cSld>
-    <p:spTree>
-      <p:nvGrpSpPr>
-        <p:cNvPr id="111" name="Shape 111"/>
-        <p:cNvGrpSpPr/>
-        <p:nvPr/>
-      </p:nvGrpSpPr>
-      <p:grpSpPr>
-        <a:xfrm>
-          <a:off x="0" y="0"/>
-          <a:ext cx="0" cy="0"/>
-          <a:chOff x="0" y="0"/>
-          <a:chExt cx="0" cy="0"/>
-        </a:xfrm>
-      </p:grpSpPr>
-      <p:sp>
-        <p:nvSpPr>
-          <p:cNvPr id="112" name="Shape 112"/>
-          <p:cNvSpPr txBox="1"/>
-          <p:nvPr>
-            <p:ph type="title"/>
-          </p:nvPr>
-        </p:nvSpPr>
-        <p:spPr>
-          <a:xfrm>
-            <a:off x="311700" y="315925"/>
-            <a:ext cx="8520600" cy="771000"/>
-          </a:xfrm>
-          <a:prstGeom prst="rect">
-            <a:avLst/>
-          </a:prstGeom>
-        </p:spPr>
-        <p:txBody>
-          <a:bodyPr anchorCtr="0" anchor="b" bIns="91425" lIns="91425" spcFirstLastPara="1" rIns="91425" wrap="square" tIns="91425">
-            <a:noAutofit/>
-          </a:bodyPr>
-          <a:lstStyle/>
-          <a:p>
-            <a:pPr indent="0" lvl="0" marL="0" algn="ctr">
-              <a:spcBef>
-                <a:spcPts val="0"/>
-              </a:spcBef>
-              <a:spcAft>
-                <a:spcPts val="0"/>
-              </a:spcAft>
-              <a:buNone/>
-            </a:pPr>
-            <a:r>
-              <a:rPr lang="ro" sz="3000"/>
-              <a:t>Let’s see how both rules evolve given the same initial configuration</a:t>
-            </a:r>
-            <a:endParaRPr sz="3000"/>
-          </a:p>
-        </p:txBody>
-      </p:sp>
-      <p:pic>
-        <p:nvPicPr>
-          <p:cNvPr id="113" name="Shape 113"/>
-          <p:cNvPicPr preferRelativeResize="0"/>
-          <p:nvPr/>
-        </p:nvPicPr>
-        <p:blipFill>
-          <a:blip r:embed="rId3">
-            <a:alphaModFix/>
-          </a:blip>
-          <a:stretch>
-            <a:fillRect/>
-          </a:stretch>
-        </p:blipFill>
-        <p:spPr>
-          <a:xfrm>
-            <a:off x="3133725" y="1530000"/>
-            <a:ext cx="2876550" cy="2876550"/>
-          </a:xfrm>
-          <a:prstGeom prst="rect">
-            <a:avLst/>
-          </a:prstGeom>
-          <a:noFill/>
-          <a:ln>
-            <a:noFill/>
-          </a:ln>
-        </p:spPr>
-      </p:pic>
-    </p:spTree>
-  </p:cSld>
-  <p:clrMapOvr>
-    <a:masterClrMapping/>
-  </p:clrMapOvr>
-</p:sld>
-</file>
-
-<file path=ppt/theme/theme1.xml><?xml version="1.0" encoding="utf-8"?>
+<file path=ppt/theme/theme2.xml><?xml version="1.0" encoding="utf-8"?>
 <a:theme xmlns:a="http://schemas.openxmlformats.org/drawingml/2006/main" xmlns:r="http://schemas.openxmlformats.org/officeDocument/2006/relationships">
   <a:themeElements>
     <a:clrScheme name="Default">
@@ -9136,283 +11342,4 @@
     </a:fmtScheme>
   </a:themeElements>
 </a:theme>
-</file>
-
-<file path=ppt/theme/theme2.xml><?xml version="1.0" encoding="utf-8"?>
-<a:theme xmlns:a="http://schemas.openxmlformats.org/drawingml/2006/main" xmlns:r="http://schemas.openxmlformats.org/officeDocument/2006/relationships" name="Luxe">
-  <a:themeElements>
-    <a:clrScheme name="Luxe">
-      <a:dk1>
-        <a:srgbClr val="000000"/>
-      </a:dk1>
-      <a:lt1>
-        <a:srgbClr val="FFFFFF"/>
-      </a:lt1>
-      <a:dk2>
-        <a:srgbClr val="B7B7B7"/>
-      </a:dk2>
-      <a:lt2>
-        <a:srgbClr val="CCA677"/>
-      </a:lt2>
-      <a:accent1>
-        <a:srgbClr val="5D4037"/>
-      </a:accent1>
-      <a:accent2>
-        <a:srgbClr val="455A64"/>
-      </a:accent2>
-      <a:accent3>
-        <a:srgbClr val="607D8B"/>
-      </a:accent3>
-      <a:accent4>
-        <a:srgbClr val="78909C"/>
-      </a:accent4>
-      <a:accent5>
-        <a:srgbClr val="57BB8A"/>
-      </a:accent5>
-      <a:accent6>
-        <a:srgbClr val="DCE755"/>
-      </a:accent6>
-      <a:hlink>
-        <a:srgbClr val="57BB8A"/>
-      </a:hlink>
-      <a:folHlink>
-        <a:srgbClr val="57BB8A"/>
-      </a:folHlink>
-    </a:clrScheme>
-    <a:fontScheme name="Office">
-      <a:majorFont>
-        <a:latin typeface="Arial"/>
-        <a:ea typeface=""/>
-        <a:cs typeface=""/>
-        <a:font script="Jpan" typeface="ＭＳ Ｐゴシック"/>
-        <a:font script="Hang" typeface="맑은 고딕"/>
-        <a:font script="Hans" typeface="宋体"/>
-        <a:font script="Hant" typeface="新細明體"/>
-        <a:font script="Arab" typeface="Times New Roman"/>
-        <a:font script="Hebr" typeface="Times New Roman"/>
-        <a:font script="Thai" typeface="Angsana New"/>
-        <a:font script="Ethi" typeface="Nyala"/>
-        <a:font script="Beng" typeface="Vrinda"/>
-        <a:font script="Gujr" typeface="Shruti"/>
-        <a:font script="Khmr" typeface="MoolBoran"/>
-        <a:font script="Knda" typeface="Tunga"/>
-        <a:font script="Guru" typeface="Raavi"/>
-        <a:font script="Cans" typeface="Euphemia"/>
-        <a:font script="Cher" typeface="Plantagenet Cherokee"/>
-        <a:font script="Yiii" typeface="Microsoft Yi Baiti"/>
-        <a:font script="Tibt" typeface="Microsoft Himalaya"/>
-        <a:font script="Thaa" typeface="MV Boli"/>
-        <a:font script="Deva" typeface="Mangal"/>
-        <a:font script="Telu" typeface="Gautami"/>
-        <a:font script="Taml" typeface="Latha"/>
-        <a:font script="Syrc" typeface="Estrangelo Edessa"/>
-        <a:font script="Orya" typeface="Kalinga"/>
-        <a:font script="Mlym" typeface="Kartika"/>
-        <a:font script="Laoo" typeface="DokChampa"/>
-        <a:font script="Sinh" typeface="Iskoola Pota"/>
-        <a:font script="Mong" typeface="Mongolian Baiti"/>
-        <a:font script="Viet" typeface="Times New Roman"/>
-        <a:font script="Uigh" typeface="Microsoft Uighur"/>
-        <a:font script="Geor" typeface="Sylfaen"/>
-      </a:majorFont>
-      <a:minorFont>
-        <a:latin typeface="Arial"/>
-        <a:ea typeface=""/>
-        <a:cs typeface=""/>
-        <a:font script="Jpan" typeface="ＭＳ Ｐゴシック"/>
-        <a:font script="Hang" typeface="맑은 고딕"/>
-        <a:font script="Hans" typeface="宋体"/>
-        <a:font script="Hant" typeface="新細明體"/>
-        <a:font script="Arab" typeface="Arial"/>
-        <a:font script="Hebr" typeface="Arial"/>
-        <a:font script="Thai" typeface="Cordia New"/>
-        <a:font script="Ethi" typeface="Nyala"/>
-        <a:font script="Beng" typeface="Vrinda"/>
-        <a:font script="Gujr" typeface="Shruti"/>
-        <a:font script="Khmr" typeface="DaunPenh"/>
-        <a:font script="Knda" typeface="Tunga"/>
-        <a:font script="Guru" typeface="Raavi"/>
-        <a:font script="Cans" typeface="Euphemia"/>
-        <a:font script="Cher" typeface="Plantagenet Cherokee"/>
-        <a:font script="Yiii" typeface="Microsoft Yi Baiti"/>
-        <a:font script="Tibt" typeface="Microsoft Himalaya"/>
-        <a:font script="Thaa" typeface="MV Boli"/>
-        <a:font script="Deva" typeface="Mangal"/>
-        <a:font script="Telu" typeface="Gautami"/>
-        <a:font script="Taml" typeface="Latha"/>
-        <a:font script="Syrc" typeface="Estrangelo Edessa"/>
-        <a:font script="Orya" typeface="Kalinga"/>
-        <a:font script="Mlym" typeface="Kartika"/>
-        <a:font script="Laoo" typeface="DokChampa"/>
-        <a:font script="Sinh" typeface="Iskoola Pota"/>
-        <a:font script="Mong" typeface="Mongolian Baiti"/>
-        <a:font script="Viet" typeface="Arial"/>
-        <a:font script="Uigh" typeface="Microsoft Uighur"/>
-        <a:font script="Geor" typeface="Sylfaen"/>
-      </a:minorFont>
-    </a:fontScheme>
-    <a:fmtScheme name="Office">
-      <a:fillStyleLst>
-        <a:solidFill>
-          <a:schemeClr val="phClr"/>
-        </a:solidFill>
-        <a:gradFill rotWithShape="1">
-          <a:gsLst>
-            <a:gs pos="0">
-              <a:schemeClr val="phClr">
-                <a:tint val="50000"/>
-                <a:satMod val="300000"/>
-              </a:schemeClr>
-            </a:gs>
-            <a:gs pos="35000">
-              <a:schemeClr val="phClr">
-                <a:tint val="37000"/>
-                <a:satMod val="300000"/>
-              </a:schemeClr>
-            </a:gs>
-            <a:gs pos="100000">
-              <a:schemeClr val="phClr">
-                <a:tint val="15000"/>
-                <a:satMod val="350000"/>
-              </a:schemeClr>
-            </a:gs>
-          </a:gsLst>
-          <a:lin ang="16200000" scaled="1"/>
-        </a:gradFill>
-        <a:gradFill rotWithShape="1">
-          <a:gsLst>
-            <a:gs pos="0">
-              <a:schemeClr val="phClr">
-                <a:tint val="100000"/>
-                <a:shade val="100000"/>
-                <a:satMod val="130000"/>
-              </a:schemeClr>
-            </a:gs>
-            <a:gs pos="100000">
-              <a:schemeClr val="phClr">
-                <a:tint val="50000"/>
-                <a:shade val="100000"/>
-                <a:satMod val="350000"/>
-              </a:schemeClr>
-            </a:gs>
-          </a:gsLst>
-          <a:lin ang="16200000" scaled="0"/>
-        </a:gradFill>
-      </a:fillStyleLst>
-      <a:lnStyleLst>
-        <a:ln w="9525" cap="flat" cmpd="sng" algn="ctr">
-          <a:solidFill>
-            <a:schemeClr val="phClr">
-              <a:shade val="95000"/>
-              <a:satMod val="105000"/>
-            </a:schemeClr>
-          </a:solidFill>
-          <a:prstDash val="solid"/>
-        </a:ln>
-        <a:ln w="25400" cap="flat" cmpd="sng" algn="ctr">
-          <a:solidFill>
-            <a:schemeClr val="phClr"/>
-          </a:solidFill>
-          <a:prstDash val="solid"/>
-        </a:ln>
-        <a:ln w="38100" cap="flat" cmpd="sng" algn="ctr">
-          <a:solidFill>
-            <a:schemeClr val="phClr"/>
-          </a:solidFill>
-          <a:prstDash val="solid"/>
-        </a:ln>
-      </a:lnStyleLst>
-      <a:effectStyleLst>
-        <a:effectStyle>
-          <a:effectLst>
-            <a:outerShdw blurRad="40000" dist="20000" dir="5400000" rotWithShape="0">
-              <a:srgbClr val="000000">
-                <a:alpha val="38000"/>
-              </a:srgbClr>
-            </a:outerShdw>
-          </a:effectLst>
-        </a:effectStyle>
-        <a:effectStyle>
-          <a:effectLst>
-            <a:outerShdw blurRad="40000" dist="23000" dir="5400000" rotWithShape="0">
-              <a:srgbClr val="000000">
-                <a:alpha val="35000"/>
-              </a:srgbClr>
-            </a:outerShdw>
-          </a:effectLst>
-        </a:effectStyle>
-        <a:effectStyle>
-          <a:effectLst>
-            <a:outerShdw blurRad="40000" dist="23000" dir="5400000" rotWithShape="0">
-              <a:srgbClr val="000000">
-                <a:alpha val="35000"/>
-              </a:srgbClr>
-            </a:outerShdw>
-          </a:effectLst>
-          <a:scene3d>
-            <a:camera prst="orthographicFront">
-              <a:rot lat="0" lon="0" rev="0"/>
-            </a:camera>
-            <a:lightRig rig="threePt" dir="t">
-              <a:rot lat="0" lon="0" rev="1200000"/>
-            </a:lightRig>
-          </a:scene3d>
-          <a:sp3d>
-            <a:bevelT w="63500" h="25400"/>
-          </a:sp3d>
-        </a:effectStyle>
-      </a:effectStyleLst>
-      <a:bgFillStyleLst>
-        <a:solidFill>
-          <a:schemeClr val="phClr"/>
-        </a:solidFill>
-        <a:gradFill rotWithShape="1">
-          <a:gsLst>
-            <a:gs pos="0">
-              <a:schemeClr val="phClr">
-                <a:tint val="40000"/>
-                <a:satMod val="350000"/>
-              </a:schemeClr>
-            </a:gs>
-            <a:gs pos="40000">
-              <a:schemeClr val="phClr">
-                <a:tint val="45000"/>
-                <a:shade val="99000"/>
-                <a:satMod val="350000"/>
-              </a:schemeClr>
-            </a:gs>
-            <a:gs pos="100000">
-              <a:schemeClr val="phClr">
-                <a:shade val="20000"/>
-                <a:satMod val="255000"/>
-              </a:schemeClr>
-            </a:gs>
-          </a:gsLst>
-          <a:path path="circle">
-            <a:fillToRect l="50000" t="-80000" r="50000" b="180000"/>
-          </a:path>
-        </a:gradFill>
-        <a:gradFill rotWithShape="1">
-          <a:gsLst>
-            <a:gs pos="0">
-              <a:schemeClr val="phClr">
-                <a:tint val="80000"/>
-                <a:satMod val="300000"/>
-              </a:schemeClr>
-            </a:gs>
-            <a:gs pos="100000">
-              <a:schemeClr val="phClr">
-                <a:shade val="30000"/>
-                <a:satMod val="200000"/>
-              </a:schemeClr>
-            </a:gs>
-          </a:gsLst>
-          <a:path path="circle">
-            <a:fillToRect l="50000" t="50000" r="50000" b="50000"/>
-          </a:path>
-        </a:gradFill>
-      </a:bgFillStyleLst>
-    </a:fmtScheme>
-  </a:themeElements>
-</a:theme>
 </file>